--- a/Trabajos Conceptuales/TC_01/GRUPO2_TC_01_PECHA_CUCHA_FRAMEWORK_ESCALAR_SCRUM.pptx
+++ b/Trabajos Conceptuales/TC_01/GRUPO2_TC_01_PECHA_CUCHA_FRAMEWORK_ESCALAR_SCRUM.pptx
@@ -4,10 +4,20 @@
   <p:sldMasterIdLst>
     <p:sldMasterId id="2147483648" r:id="rId1"/>
   </p:sldMasterIdLst>
+  <p:notesMasterIdLst>
+    <p:notesMasterId r:id="rId12"/>
+  </p:notesMasterIdLst>
   <p:sldIdLst>
     <p:sldId id="256" r:id="rId2"/>
     <p:sldId id="258" r:id="rId3"/>
     <p:sldId id="257" r:id="rId4"/>
+    <p:sldId id="259" r:id="rId5"/>
+    <p:sldId id="260" r:id="rId6"/>
+    <p:sldId id="261" r:id="rId7"/>
+    <p:sldId id="262" r:id="rId8"/>
+    <p:sldId id="263" r:id="rId9"/>
+    <p:sldId id="264" r:id="rId10"/>
+    <p:sldId id="265" r:id="rId11"/>
   </p:sldIdLst>
   <p:sldSz cx="12192000" cy="6858000"/>
   <p:notesSz cx="6858000" cy="9144000"/>
@@ -107,11 +117,2284 @@
     </a:lvl9pPr>
   </p:defaultTextStyle>
   <p:extLst>
+    <p:ext uri="{521415D9-36F7-43E2-AB2F-B90AF26B5E84}">
+      <p14:sectionLst xmlns:p14="http://schemas.microsoft.com/office/powerpoint/2010/main">
+        <p14:section name="Sección predeterminada" id="{0E798B31-DA55-488E-B45B-51A97CABE8C0}">
+          <p14:sldIdLst>
+            <p14:sldId id="256"/>
+            <p14:sldId id="258"/>
+            <p14:sldId id="257"/>
+            <p14:sldId id="259"/>
+            <p14:sldId id="260"/>
+            <p14:sldId id="261"/>
+            <p14:sldId id="262"/>
+            <p14:sldId id="263"/>
+            <p14:sldId id="264"/>
+            <p14:sldId id="265"/>
+          </p14:sldIdLst>
+        </p14:section>
+      </p14:sectionLst>
+    </p:ext>
     <p:ext uri="{EFAFB233-063F-42B5-8137-9DF3F51BA10A}">
       <p15:sldGuideLst xmlns:p15="http://schemas.microsoft.com/office/powerpoint/2012/main"/>
     </p:ext>
   </p:extLst>
 </p:presentation>
+</file>
+
+<file path=ppt/notesMasters/notesMaster1.xml><?xml version="1.0" encoding="utf-8"?>
+<p:notesMaster xmlns:a="http://schemas.openxmlformats.org/drawingml/2006/main" xmlns:r="http://schemas.openxmlformats.org/officeDocument/2006/relationships" xmlns:p="http://schemas.openxmlformats.org/presentationml/2006/main">
+  <p:cSld>
+    <p:bg>
+      <p:bgRef idx="1001">
+        <a:schemeClr val="bg1"/>
+      </p:bgRef>
+    </p:bg>
+    <p:spTree>
+      <p:nvGrpSpPr>
+        <p:cNvPr id="1" name=""/>
+        <p:cNvGrpSpPr/>
+        <p:nvPr/>
+      </p:nvGrpSpPr>
+      <p:grpSpPr>
+        <a:xfrm>
+          <a:off x="0" y="0"/>
+          <a:ext cx="0" cy="0"/>
+          <a:chOff x="0" y="0"/>
+          <a:chExt cx="0" cy="0"/>
+        </a:xfrm>
+      </p:grpSpPr>
+      <p:sp>
+        <p:nvSpPr>
+          <p:cNvPr id="2" name="Marcador de encabezado 1"/>
+          <p:cNvSpPr>
+            <a:spLocks noGrp="1"/>
+          </p:cNvSpPr>
+          <p:nvPr>
+            <p:ph type="hdr" sz="quarter"/>
+          </p:nvPr>
+        </p:nvSpPr>
+        <p:spPr>
+          <a:xfrm>
+            <a:off x="0" y="0"/>
+            <a:ext cx="2971800" cy="458788"/>
+          </a:xfrm>
+          <a:prstGeom prst="rect">
+            <a:avLst/>
+          </a:prstGeom>
+        </p:spPr>
+        <p:txBody>
+          <a:bodyPr vert="horz" lIns="91440" tIns="45720" rIns="91440" bIns="45720" rtlCol="0"/>
+          <a:lstStyle>
+            <a:lvl1pPr algn="l">
+              <a:defRPr sz="1200"/>
+            </a:lvl1pPr>
+          </a:lstStyle>
+          <a:p>
+            <a:endParaRPr lang="es-ES"/>
+          </a:p>
+        </p:txBody>
+      </p:sp>
+      <p:sp>
+        <p:nvSpPr>
+          <p:cNvPr id="3" name="Marcador de fecha 2"/>
+          <p:cNvSpPr>
+            <a:spLocks noGrp="1"/>
+          </p:cNvSpPr>
+          <p:nvPr>
+            <p:ph type="dt" idx="1"/>
+          </p:nvPr>
+        </p:nvSpPr>
+        <p:spPr>
+          <a:xfrm>
+            <a:off x="3884613" y="0"/>
+            <a:ext cx="2971800" cy="458788"/>
+          </a:xfrm>
+          <a:prstGeom prst="rect">
+            <a:avLst/>
+          </a:prstGeom>
+        </p:spPr>
+        <p:txBody>
+          <a:bodyPr vert="horz" lIns="91440" tIns="45720" rIns="91440" bIns="45720" rtlCol="0"/>
+          <a:lstStyle>
+            <a:lvl1pPr algn="r">
+              <a:defRPr sz="1200"/>
+            </a:lvl1pPr>
+          </a:lstStyle>
+          <a:p>
+            <a:fld id="{8474DE7F-0F40-4F4E-A1F6-25F79BB75100}" type="datetimeFigureOut">
+              <a:rPr lang="es-ES" smtClean="0"/>
+              <a:t>12/05/2022</a:t>
+            </a:fld>
+            <a:endParaRPr lang="es-ES"/>
+          </a:p>
+        </p:txBody>
+      </p:sp>
+      <p:sp>
+        <p:nvSpPr>
+          <p:cNvPr id="4" name="Marcador de imagen de diapositiva 3"/>
+          <p:cNvSpPr>
+            <a:spLocks noGrp="1" noRot="1" noChangeAspect="1"/>
+          </p:cNvSpPr>
+          <p:nvPr>
+            <p:ph type="sldImg" idx="2"/>
+          </p:nvPr>
+        </p:nvSpPr>
+        <p:spPr>
+          <a:xfrm>
+            <a:off x="685800" y="1143000"/>
+            <a:ext cx="5486400" cy="3086100"/>
+          </a:xfrm>
+          <a:prstGeom prst="rect">
+            <a:avLst/>
+          </a:prstGeom>
+          <a:noFill/>
+          <a:ln w="12700">
+            <a:solidFill>
+              <a:prstClr val="black"/>
+            </a:solidFill>
+          </a:ln>
+        </p:spPr>
+        <p:txBody>
+          <a:bodyPr vert="horz" lIns="91440" tIns="45720" rIns="91440" bIns="45720" rtlCol="0" anchor="ctr"/>
+          <a:lstStyle/>
+          <a:p>
+            <a:endParaRPr lang="es-ES"/>
+          </a:p>
+        </p:txBody>
+      </p:sp>
+      <p:sp>
+        <p:nvSpPr>
+          <p:cNvPr id="5" name="Marcador de notas 4"/>
+          <p:cNvSpPr>
+            <a:spLocks noGrp="1"/>
+          </p:cNvSpPr>
+          <p:nvPr>
+            <p:ph type="body" sz="quarter" idx="3"/>
+          </p:nvPr>
+        </p:nvSpPr>
+        <p:spPr>
+          <a:xfrm>
+            <a:off x="685800" y="4400550"/>
+            <a:ext cx="5486400" cy="3600450"/>
+          </a:xfrm>
+          <a:prstGeom prst="rect">
+            <a:avLst/>
+          </a:prstGeom>
+        </p:spPr>
+        <p:txBody>
+          <a:bodyPr vert="horz" lIns="91440" tIns="45720" rIns="91440" bIns="45720" rtlCol="0"/>
+          <a:lstStyle/>
+          <a:p>
+            <a:pPr lvl="0"/>
+            <a:r>
+              <a:rPr lang="es-ES"/>
+              <a:t>Haga clic para modificar los estilos de texto del patrón</a:t>
+            </a:r>
+          </a:p>
+          <a:p>
+            <a:pPr lvl="1"/>
+            <a:r>
+              <a:rPr lang="es-ES"/>
+              <a:t>Segundo nivel</a:t>
+            </a:r>
+          </a:p>
+          <a:p>
+            <a:pPr lvl="2"/>
+            <a:r>
+              <a:rPr lang="es-ES"/>
+              <a:t>Tercer nivel</a:t>
+            </a:r>
+          </a:p>
+          <a:p>
+            <a:pPr lvl="3"/>
+            <a:r>
+              <a:rPr lang="es-ES"/>
+              <a:t>Cuarto nivel</a:t>
+            </a:r>
+          </a:p>
+          <a:p>
+            <a:pPr lvl="4"/>
+            <a:r>
+              <a:rPr lang="es-ES"/>
+              <a:t>Quinto nivel</a:t>
+            </a:r>
+          </a:p>
+        </p:txBody>
+      </p:sp>
+      <p:sp>
+        <p:nvSpPr>
+          <p:cNvPr id="6" name="Marcador de pie de página 5"/>
+          <p:cNvSpPr>
+            <a:spLocks noGrp="1"/>
+          </p:cNvSpPr>
+          <p:nvPr>
+            <p:ph type="ftr" sz="quarter" idx="4"/>
+          </p:nvPr>
+        </p:nvSpPr>
+        <p:spPr>
+          <a:xfrm>
+            <a:off x="0" y="8685213"/>
+            <a:ext cx="2971800" cy="458787"/>
+          </a:xfrm>
+          <a:prstGeom prst="rect">
+            <a:avLst/>
+          </a:prstGeom>
+        </p:spPr>
+        <p:txBody>
+          <a:bodyPr vert="horz" lIns="91440" tIns="45720" rIns="91440" bIns="45720" rtlCol="0" anchor="b"/>
+          <a:lstStyle>
+            <a:lvl1pPr algn="l">
+              <a:defRPr sz="1200"/>
+            </a:lvl1pPr>
+          </a:lstStyle>
+          <a:p>
+            <a:endParaRPr lang="es-ES"/>
+          </a:p>
+        </p:txBody>
+      </p:sp>
+      <p:sp>
+        <p:nvSpPr>
+          <p:cNvPr id="7" name="Marcador de número de diapositiva 6"/>
+          <p:cNvSpPr>
+            <a:spLocks noGrp="1"/>
+          </p:cNvSpPr>
+          <p:nvPr>
+            <p:ph type="sldNum" sz="quarter" idx="5"/>
+          </p:nvPr>
+        </p:nvSpPr>
+        <p:spPr>
+          <a:xfrm>
+            <a:off x="3884613" y="8685213"/>
+            <a:ext cx="2971800" cy="458787"/>
+          </a:xfrm>
+          <a:prstGeom prst="rect">
+            <a:avLst/>
+          </a:prstGeom>
+        </p:spPr>
+        <p:txBody>
+          <a:bodyPr vert="horz" lIns="91440" tIns="45720" rIns="91440" bIns="45720" rtlCol="0" anchor="b"/>
+          <a:lstStyle>
+            <a:lvl1pPr algn="r">
+              <a:defRPr sz="1200"/>
+            </a:lvl1pPr>
+          </a:lstStyle>
+          <a:p>
+            <a:fld id="{EDBCE6EF-E99C-4113-ACC7-C24092A3882D}" type="slidenum">
+              <a:rPr lang="es-ES" smtClean="0"/>
+              <a:t>‹Nº›</a:t>
+            </a:fld>
+            <a:endParaRPr lang="es-ES"/>
+          </a:p>
+        </p:txBody>
+      </p:sp>
+    </p:spTree>
+    <p:extLst>
+      <p:ext uri="{BB962C8B-B14F-4D97-AF65-F5344CB8AC3E}">
+        <p14:creationId xmlns:p14="http://schemas.microsoft.com/office/powerpoint/2010/main" val="1925964287"/>
+      </p:ext>
+    </p:extLst>
+  </p:cSld>
+  <p:clrMap bg1="lt1" tx1="dk1" bg2="lt2" tx2="dk2" accent1="accent1" accent2="accent2" accent3="accent3" accent4="accent4" accent5="accent5" accent6="accent6" hlink="hlink" folHlink="folHlink"/>
+  <p:notesStyle>
+    <a:lvl1pPr marL="0" algn="l" defTabSz="914400" rtl="0" eaLnBrk="1" latinLnBrk="0" hangingPunct="1">
+      <a:defRPr sz="1200" kern="1200">
+        <a:solidFill>
+          <a:schemeClr val="tx1"/>
+        </a:solidFill>
+        <a:latin typeface="+mn-lt"/>
+        <a:ea typeface="+mn-ea"/>
+        <a:cs typeface="+mn-cs"/>
+      </a:defRPr>
+    </a:lvl1pPr>
+    <a:lvl2pPr marL="457200" algn="l" defTabSz="914400" rtl="0" eaLnBrk="1" latinLnBrk="0" hangingPunct="1">
+      <a:defRPr sz="1200" kern="1200">
+        <a:solidFill>
+          <a:schemeClr val="tx1"/>
+        </a:solidFill>
+        <a:latin typeface="+mn-lt"/>
+        <a:ea typeface="+mn-ea"/>
+        <a:cs typeface="+mn-cs"/>
+      </a:defRPr>
+    </a:lvl2pPr>
+    <a:lvl3pPr marL="914400" algn="l" defTabSz="914400" rtl="0" eaLnBrk="1" latinLnBrk="0" hangingPunct="1">
+      <a:defRPr sz="1200" kern="1200">
+        <a:solidFill>
+          <a:schemeClr val="tx1"/>
+        </a:solidFill>
+        <a:latin typeface="+mn-lt"/>
+        <a:ea typeface="+mn-ea"/>
+        <a:cs typeface="+mn-cs"/>
+      </a:defRPr>
+    </a:lvl3pPr>
+    <a:lvl4pPr marL="1371600" algn="l" defTabSz="914400" rtl="0" eaLnBrk="1" latinLnBrk="0" hangingPunct="1">
+      <a:defRPr sz="1200" kern="1200">
+        <a:solidFill>
+          <a:schemeClr val="tx1"/>
+        </a:solidFill>
+        <a:latin typeface="+mn-lt"/>
+        <a:ea typeface="+mn-ea"/>
+        <a:cs typeface="+mn-cs"/>
+      </a:defRPr>
+    </a:lvl4pPr>
+    <a:lvl5pPr marL="1828800" algn="l" defTabSz="914400" rtl="0" eaLnBrk="1" latinLnBrk="0" hangingPunct="1">
+      <a:defRPr sz="1200" kern="1200">
+        <a:solidFill>
+          <a:schemeClr val="tx1"/>
+        </a:solidFill>
+        <a:latin typeface="+mn-lt"/>
+        <a:ea typeface="+mn-ea"/>
+        <a:cs typeface="+mn-cs"/>
+      </a:defRPr>
+    </a:lvl5pPr>
+    <a:lvl6pPr marL="2286000" algn="l" defTabSz="914400" rtl="0" eaLnBrk="1" latinLnBrk="0" hangingPunct="1">
+      <a:defRPr sz="1200" kern="1200">
+        <a:solidFill>
+          <a:schemeClr val="tx1"/>
+        </a:solidFill>
+        <a:latin typeface="+mn-lt"/>
+        <a:ea typeface="+mn-ea"/>
+        <a:cs typeface="+mn-cs"/>
+      </a:defRPr>
+    </a:lvl6pPr>
+    <a:lvl7pPr marL="2743200" algn="l" defTabSz="914400" rtl="0" eaLnBrk="1" latinLnBrk="0" hangingPunct="1">
+      <a:defRPr sz="1200" kern="1200">
+        <a:solidFill>
+          <a:schemeClr val="tx1"/>
+        </a:solidFill>
+        <a:latin typeface="+mn-lt"/>
+        <a:ea typeface="+mn-ea"/>
+        <a:cs typeface="+mn-cs"/>
+      </a:defRPr>
+    </a:lvl7pPr>
+    <a:lvl8pPr marL="3200400" algn="l" defTabSz="914400" rtl="0" eaLnBrk="1" latinLnBrk="0" hangingPunct="1">
+      <a:defRPr sz="1200" kern="1200">
+        <a:solidFill>
+          <a:schemeClr val="tx1"/>
+        </a:solidFill>
+        <a:latin typeface="+mn-lt"/>
+        <a:ea typeface="+mn-ea"/>
+        <a:cs typeface="+mn-cs"/>
+      </a:defRPr>
+    </a:lvl8pPr>
+    <a:lvl9pPr marL="3657600" algn="l" defTabSz="914400" rtl="0" eaLnBrk="1" latinLnBrk="0" hangingPunct="1">
+      <a:defRPr sz="1200" kern="1200">
+        <a:solidFill>
+          <a:schemeClr val="tx1"/>
+        </a:solidFill>
+        <a:latin typeface="+mn-lt"/>
+        <a:ea typeface="+mn-ea"/>
+        <a:cs typeface="+mn-cs"/>
+      </a:defRPr>
+    </a:lvl9pPr>
+  </p:notesStyle>
+</p:notesMaster>
+</file>
+
+<file path=ppt/notesSlides/notesSlide1.xml><?xml version="1.0" encoding="utf-8"?>
+<p:notes xmlns:a="http://schemas.openxmlformats.org/drawingml/2006/main" xmlns:r="http://schemas.openxmlformats.org/officeDocument/2006/relationships" xmlns:p="http://schemas.openxmlformats.org/presentationml/2006/main">
+  <p:cSld>
+    <p:spTree>
+      <p:nvGrpSpPr>
+        <p:cNvPr id="1" name=""/>
+        <p:cNvGrpSpPr/>
+        <p:nvPr/>
+      </p:nvGrpSpPr>
+      <p:grpSpPr>
+        <a:xfrm>
+          <a:off x="0" y="0"/>
+          <a:ext cx="0" cy="0"/>
+          <a:chOff x="0" y="0"/>
+          <a:chExt cx="0" cy="0"/>
+        </a:xfrm>
+      </p:grpSpPr>
+      <p:sp>
+        <p:nvSpPr>
+          <p:cNvPr id="2" name="Marcador de imagen de diapositiva 1"/>
+          <p:cNvSpPr>
+            <a:spLocks noGrp="1" noRot="1" noChangeAspect="1"/>
+          </p:cNvSpPr>
+          <p:nvPr>
+            <p:ph type="sldImg"/>
+          </p:nvPr>
+        </p:nvSpPr>
+        <p:spPr/>
+      </p:sp>
+      <p:sp>
+        <p:nvSpPr>
+          <p:cNvPr id="3" name="Marcador de notas 2"/>
+          <p:cNvSpPr>
+            <a:spLocks noGrp="1"/>
+          </p:cNvSpPr>
+          <p:nvPr>
+            <p:ph type="body" idx="1"/>
+          </p:nvPr>
+        </p:nvSpPr>
+        <p:spPr/>
+        <p:txBody>
+          <a:bodyPr/>
+          <a:lstStyle/>
+          <a:p>
+            <a:pPr>
+              <a:lnSpc>
+                <a:spcPct val="107000"/>
+              </a:lnSpc>
+              <a:spcAft>
+                <a:spcPts val="750"/>
+              </a:spcAft>
+            </a:pPr>
+            <a:r>
+              <a:rPr lang="es-ES" sz="1800" u="none" strike="noStrike" dirty="0">
+                <a:solidFill>
+                  <a:srgbClr val="337AB7"/>
+                </a:solidFill>
+                <a:effectLst/>
+                <a:latin typeface="Calibri" panose="020F0502020204030204" pitchFamily="34" charset="0"/>
+                <a:ea typeface="Calibri" panose="020F0502020204030204" pitchFamily="34" charset="0"/>
+                <a:cs typeface="Times New Roman" panose="02020603050405020304" pitchFamily="18" charset="0"/>
+                <a:hlinkClick r:id="rId3"/>
+              </a:rPr>
+              <a:t>Scrum a gran escala es Scrum</a:t>
+            </a:r>
+            <a:r>
+              <a:rPr lang="es-ES" sz="1800" dirty="0">
+                <a:solidFill>
+                  <a:srgbClr val="333333"/>
+                </a:solidFill>
+                <a:effectLst/>
+                <a:latin typeface="Calibri" panose="020F0502020204030204" pitchFamily="34" charset="0"/>
+                <a:ea typeface="Calibri" panose="020F0502020204030204" pitchFamily="34" charset="0"/>
+                <a:cs typeface="Times New Roman" panose="02020603050405020304" pitchFamily="18" charset="0"/>
+              </a:rPr>
+              <a:t>: no es un Scrum nuevo y mejorado. Más bien, LeSS se trata de descubrir cómo aplicar los principios, reglas, elementos y propósito de Scrum en un contexto a gran escala, de la manera más simple posible.</a:t>
+            </a:r>
+            <a:endParaRPr lang="es-ES" sz="1800" dirty="0">
+              <a:effectLst/>
+              <a:latin typeface="Calibri" panose="020F0502020204030204" pitchFamily="34" charset="0"/>
+              <a:ea typeface="Calibri" panose="020F0502020204030204" pitchFamily="34" charset="0"/>
+              <a:cs typeface="Times New Roman" panose="02020603050405020304" pitchFamily="18" charset="0"/>
+            </a:endParaRPr>
+          </a:p>
+          <a:p>
+            <a:pPr>
+              <a:lnSpc>
+                <a:spcPct val="107000"/>
+              </a:lnSpc>
+              <a:spcAft>
+                <a:spcPts val="750"/>
+              </a:spcAft>
+            </a:pPr>
+            <a:r>
+              <a:rPr lang="es-ES" sz="1800" u="none" strike="noStrike" dirty="0">
+                <a:solidFill>
+                  <a:srgbClr val="337AB7"/>
+                </a:solidFill>
+                <a:effectLst/>
+                <a:latin typeface="Calibri" panose="020F0502020204030204" pitchFamily="34" charset="0"/>
+                <a:ea typeface="Calibri" panose="020F0502020204030204" pitchFamily="34" charset="0"/>
+                <a:cs typeface="Times New Roman" panose="02020603050405020304" pitchFamily="18" charset="0"/>
+                <a:hlinkClick r:id="rId4"/>
+              </a:rPr>
+              <a:t>Transparencia</a:t>
+            </a:r>
+            <a:r>
+              <a:rPr lang="es-ES" sz="1800" dirty="0">
+                <a:solidFill>
+                  <a:srgbClr val="333333"/>
+                </a:solidFill>
+                <a:effectLst/>
+                <a:latin typeface="Calibri" panose="020F0502020204030204" pitchFamily="34" charset="0"/>
+                <a:ea typeface="Calibri" panose="020F0502020204030204" pitchFamily="34" charset="0"/>
+                <a:cs typeface="Times New Roman" panose="02020603050405020304" pitchFamily="18" charset="0"/>
+              </a:rPr>
+              <a:t>: basado en elementos tangibles "hechos", ciclos cortos, trabajo conjunto, definiciones comunes y eliminación del miedo en el lugar de trabajo.</a:t>
+            </a:r>
+            <a:endParaRPr lang="es-ES" sz="1800" dirty="0">
+              <a:effectLst/>
+              <a:latin typeface="Calibri" panose="020F0502020204030204" pitchFamily="34" charset="0"/>
+              <a:ea typeface="Calibri" panose="020F0502020204030204" pitchFamily="34" charset="0"/>
+              <a:cs typeface="Times New Roman" panose="02020603050405020304" pitchFamily="18" charset="0"/>
+            </a:endParaRPr>
+          </a:p>
+          <a:p>
+            <a:pPr>
+              <a:lnSpc>
+                <a:spcPct val="107000"/>
+              </a:lnSpc>
+              <a:spcAft>
+                <a:spcPts val="750"/>
+              </a:spcAft>
+            </a:pPr>
+            <a:r>
+              <a:rPr lang="es-ES" sz="1800" u="none" strike="noStrike" dirty="0">
+                <a:solidFill>
+                  <a:srgbClr val="337AB7"/>
+                </a:solidFill>
+                <a:effectLst/>
+                <a:latin typeface="Calibri" panose="020F0502020204030204" pitchFamily="34" charset="0"/>
+                <a:ea typeface="Calibri" panose="020F0502020204030204" pitchFamily="34" charset="0"/>
+                <a:cs typeface="Times New Roman" panose="02020603050405020304" pitchFamily="18" charset="0"/>
+                <a:hlinkClick r:id="rId5"/>
+              </a:rPr>
+              <a:t>Más con menos</a:t>
+            </a:r>
+            <a:r>
+              <a:rPr lang="es-ES" sz="1800" dirty="0">
+                <a:solidFill>
+                  <a:srgbClr val="333333"/>
+                </a:solidFill>
+                <a:effectLst/>
+                <a:latin typeface="Calibri" panose="020F0502020204030204" pitchFamily="34" charset="0"/>
+                <a:ea typeface="Calibri" panose="020F0502020204030204" pitchFamily="34" charset="0"/>
+                <a:cs typeface="Times New Roman" panose="02020603050405020304" pitchFamily="18" charset="0"/>
+              </a:rPr>
+              <a:t>: no queremos </a:t>
+            </a:r>
+            <a:endParaRPr lang="es-ES" sz="1800" dirty="0">
+              <a:effectLst/>
+              <a:latin typeface="Calibri" panose="020F0502020204030204" pitchFamily="34" charset="0"/>
+              <a:ea typeface="Calibri" panose="020F0502020204030204" pitchFamily="34" charset="0"/>
+              <a:cs typeface="Times New Roman" panose="02020603050405020304" pitchFamily="18" charset="0"/>
+            </a:endParaRPr>
+          </a:p>
+          <a:p>
+            <a:pPr marL="342900" lvl="0" indent="-342900">
+              <a:lnSpc>
+                <a:spcPct val="107000"/>
+              </a:lnSpc>
+              <a:spcAft>
+                <a:spcPts val="750"/>
+              </a:spcAft>
+              <a:buFont typeface="Symbol" panose="05050102010706020507" pitchFamily="18" charset="2"/>
+              <a:buChar char=""/>
+            </a:pPr>
+            <a:r>
+              <a:rPr lang="es-ES" sz="1800" dirty="0">
+                <a:solidFill>
+                  <a:srgbClr val="333333"/>
+                </a:solidFill>
+                <a:effectLst/>
+                <a:latin typeface="Calibri" panose="020F0502020204030204" pitchFamily="34" charset="0"/>
+                <a:ea typeface="Calibri" panose="020F0502020204030204" pitchFamily="34" charset="0"/>
+                <a:cs typeface="Times New Roman" panose="02020603050405020304" pitchFamily="18" charset="0"/>
+              </a:rPr>
+              <a:t>más roles porque más roles. </a:t>
+            </a:r>
+            <a:endParaRPr lang="es-ES" sz="1800" dirty="0">
+              <a:effectLst/>
+              <a:latin typeface="Calibri" panose="020F0502020204030204" pitchFamily="34" charset="0"/>
+              <a:ea typeface="Calibri" panose="020F0502020204030204" pitchFamily="34" charset="0"/>
+              <a:cs typeface="Times New Roman" panose="02020603050405020304" pitchFamily="18" charset="0"/>
+            </a:endParaRPr>
+          </a:p>
+          <a:p>
+            <a:pPr marL="342900" lvl="0" indent="-342900">
+              <a:lnSpc>
+                <a:spcPct val="107000"/>
+              </a:lnSpc>
+              <a:spcAft>
+                <a:spcPts val="750"/>
+              </a:spcAft>
+              <a:buFont typeface="Symbol" panose="05050102010706020507" pitchFamily="18" charset="2"/>
+              <a:buChar char=""/>
+            </a:pPr>
+            <a:r>
+              <a:rPr lang="es-ES" sz="1800" dirty="0">
+                <a:solidFill>
+                  <a:srgbClr val="333333"/>
+                </a:solidFill>
+                <a:effectLst/>
+                <a:latin typeface="Calibri" panose="020F0502020204030204" pitchFamily="34" charset="0"/>
+                <a:ea typeface="Calibri" panose="020F0502020204030204" pitchFamily="34" charset="0"/>
+                <a:cs typeface="Times New Roman" panose="02020603050405020304" pitchFamily="18" charset="0"/>
+              </a:rPr>
+              <a:t>No queremos más artefactos</a:t>
+            </a:r>
+            <a:endParaRPr lang="es-ES" sz="1800" dirty="0">
+              <a:effectLst/>
+              <a:latin typeface="Calibri" panose="020F0502020204030204" pitchFamily="34" charset="0"/>
+              <a:ea typeface="Calibri" panose="020F0502020204030204" pitchFamily="34" charset="0"/>
+              <a:cs typeface="Times New Roman" panose="02020603050405020304" pitchFamily="18" charset="0"/>
+            </a:endParaRPr>
+          </a:p>
+          <a:p>
+            <a:pPr marL="342900" lvl="0" indent="-342900">
+              <a:lnSpc>
+                <a:spcPct val="107000"/>
+              </a:lnSpc>
+              <a:spcAft>
+                <a:spcPts val="750"/>
+              </a:spcAft>
+              <a:buFont typeface="Symbol" panose="05050102010706020507" pitchFamily="18" charset="2"/>
+              <a:buChar char=""/>
+            </a:pPr>
+            <a:r>
+              <a:rPr lang="es-ES" sz="1800" dirty="0">
+                <a:solidFill>
+                  <a:srgbClr val="333333"/>
+                </a:solidFill>
+                <a:effectLst/>
+                <a:latin typeface="Calibri" panose="020F0502020204030204" pitchFamily="34" charset="0"/>
+                <a:ea typeface="Calibri" panose="020F0502020204030204" pitchFamily="34" charset="0"/>
+                <a:cs typeface="Times New Roman" panose="02020603050405020304" pitchFamily="18" charset="0"/>
+              </a:rPr>
+              <a:t>No queremos más proceso porque</a:t>
+            </a:r>
+            <a:endParaRPr lang="es-ES" sz="1800" dirty="0">
+              <a:effectLst/>
+              <a:latin typeface="Calibri" panose="020F0502020204030204" pitchFamily="34" charset="0"/>
+              <a:ea typeface="Calibri" panose="020F0502020204030204" pitchFamily="34" charset="0"/>
+              <a:cs typeface="Times New Roman" panose="02020603050405020304" pitchFamily="18" charset="0"/>
+            </a:endParaRPr>
+          </a:p>
+          <a:p>
+            <a:pPr>
+              <a:lnSpc>
+                <a:spcPct val="107000"/>
+              </a:lnSpc>
+              <a:spcAft>
+                <a:spcPts val="750"/>
+              </a:spcAft>
+            </a:pPr>
+            <a:r>
+              <a:rPr lang="es-ES" sz="1800" dirty="0">
+                <a:solidFill>
+                  <a:srgbClr val="333333"/>
+                </a:solidFill>
+                <a:effectLst/>
+                <a:latin typeface="Calibri" panose="020F0502020204030204" pitchFamily="34" charset="0"/>
+                <a:ea typeface="Calibri" panose="020F0502020204030204" pitchFamily="34" charset="0"/>
+                <a:cs typeface="Times New Roman" panose="02020603050405020304" pitchFamily="18" charset="0"/>
+              </a:rPr>
+              <a:t>En cambio, </a:t>
+            </a:r>
+            <a:endParaRPr lang="es-ES" sz="1800" dirty="0">
+              <a:effectLst/>
+              <a:latin typeface="Calibri" panose="020F0502020204030204" pitchFamily="34" charset="0"/>
+              <a:ea typeface="Calibri" panose="020F0502020204030204" pitchFamily="34" charset="0"/>
+              <a:cs typeface="Times New Roman" panose="02020603050405020304" pitchFamily="18" charset="0"/>
+            </a:endParaRPr>
+          </a:p>
+          <a:p>
+            <a:pPr marL="342900" lvl="0" indent="-342900">
+              <a:lnSpc>
+                <a:spcPct val="107000"/>
+              </a:lnSpc>
+              <a:spcAft>
+                <a:spcPts val="750"/>
+              </a:spcAft>
+              <a:buFont typeface="Symbol" panose="05050102010706020507" pitchFamily="18" charset="2"/>
+              <a:buChar char=""/>
+            </a:pPr>
+            <a:r>
+              <a:rPr lang="es-ES" sz="1800" dirty="0">
+                <a:solidFill>
+                  <a:srgbClr val="333333"/>
+                </a:solidFill>
+                <a:effectLst/>
+                <a:latin typeface="Calibri" panose="020F0502020204030204" pitchFamily="34" charset="0"/>
+                <a:ea typeface="Calibri" panose="020F0502020204030204" pitchFamily="34" charset="0"/>
+                <a:cs typeface="Times New Roman" panose="02020603050405020304" pitchFamily="18" charset="0"/>
+              </a:rPr>
+              <a:t>queremos equipos más responsables al tener menos (menos) roles,</a:t>
+            </a:r>
+            <a:endParaRPr lang="es-ES" sz="1800" dirty="0">
+              <a:effectLst/>
+              <a:latin typeface="Calibri" panose="020F0502020204030204" pitchFamily="34" charset="0"/>
+              <a:ea typeface="Calibri" panose="020F0502020204030204" pitchFamily="34" charset="0"/>
+              <a:cs typeface="Times New Roman" panose="02020603050405020304" pitchFamily="18" charset="0"/>
+            </a:endParaRPr>
+          </a:p>
+          <a:p>
+            <a:pPr marL="342900" lvl="0" indent="-342900">
+              <a:lnSpc>
+                <a:spcPct val="107000"/>
+              </a:lnSpc>
+              <a:spcAft>
+                <a:spcPts val="750"/>
+              </a:spcAft>
+              <a:buFont typeface="Symbol" panose="05050102010706020507" pitchFamily="18" charset="2"/>
+              <a:buChar char=""/>
+            </a:pPr>
+            <a:r>
+              <a:rPr lang="es-ES" sz="1800" dirty="0">
+                <a:solidFill>
+                  <a:srgbClr val="333333"/>
+                </a:solidFill>
+                <a:effectLst/>
+                <a:latin typeface="Calibri" panose="020F0502020204030204" pitchFamily="34" charset="0"/>
+                <a:ea typeface="Calibri" panose="020F0502020204030204" pitchFamily="34" charset="0"/>
+                <a:cs typeface="Times New Roman" panose="02020603050405020304" pitchFamily="18" charset="0"/>
+              </a:rPr>
+              <a:t>queremos equipos más centrados en el cliente que construyan productos útiles al tener menos artefactos,</a:t>
+            </a:r>
+            <a:endParaRPr lang="es-ES" sz="1800" dirty="0">
+              <a:effectLst/>
+              <a:latin typeface="Calibri" panose="020F0502020204030204" pitchFamily="34" charset="0"/>
+              <a:ea typeface="Calibri" panose="020F0502020204030204" pitchFamily="34" charset="0"/>
+              <a:cs typeface="Times New Roman" panose="02020603050405020304" pitchFamily="18" charset="0"/>
+            </a:endParaRPr>
+          </a:p>
+          <a:p>
+            <a:pPr marL="342900" lvl="0" indent="-342900">
+              <a:lnSpc>
+                <a:spcPct val="107000"/>
+              </a:lnSpc>
+              <a:spcAft>
+                <a:spcPts val="750"/>
+              </a:spcAft>
+              <a:buFont typeface="Symbol" panose="05050102010706020507" pitchFamily="18" charset="2"/>
+              <a:buChar char=""/>
+            </a:pPr>
+            <a:r>
+              <a:rPr lang="es-ES" sz="1800" dirty="0">
+                <a:solidFill>
+                  <a:srgbClr val="333333"/>
+                </a:solidFill>
+                <a:effectLst/>
+                <a:latin typeface="Calibri" panose="020F0502020204030204" pitchFamily="34" charset="0"/>
+                <a:ea typeface="Calibri" panose="020F0502020204030204" pitchFamily="34" charset="0"/>
+                <a:cs typeface="Times New Roman" panose="02020603050405020304" pitchFamily="18" charset="0"/>
+              </a:rPr>
+              <a:t>queremos más propiedad del equipo del proceso y un trabajo más significativo al tener procesos menos definidos. </a:t>
+            </a:r>
+            <a:r>
+              <a:rPr lang="es-ES" sz="1800" dirty="0">
+                <a:effectLst/>
+                <a:latin typeface="Calibri" panose="020F0502020204030204" pitchFamily="34" charset="0"/>
+                <a:ea typeface="Calibri" panose="020F0502020204030204" pitchFamily="34" charset="0"/>
+                <a:cs typeface="Times New Roman" panose="02020603050405020304" pitchFamily="18" charset="0"/>
+              </a:rPr>
+              <a:t> </a:t>
+            </a:r>
+          </a:p>
+          <a:p>
+            <a:pPr>
+              <a:lnSpc>
+                <a:spcPct val="107000"/>
+              </a:lnSpc>
+              <a:spcAft>
+                <a:spcPts val="750"/>
+              </a:spcAft>
+            </a:pPr>
+            <a:r>
+              <a:rPr lang="es-ES" sz="1800" u="none" strike="noStrike" dirty="0">
+                <a:solidFill>
+                  <a:srgbClr val="337AB7"/>
+                </a:solidFill>
+                <a:effectLst/>
+                <a:latin typeface="Calibri" panose="020F0502020204030204" pitchFamily="34" charset="0"/>
+                <a:ea typeface="Calibri" panose="020F0502020204030204" pitchFamily="34" charset="0"/>
+                <a:cs typeface="Times New Roman" panose="02020603050405020304" pitchFamily="18" charset="0"/>
+                <a:hlinkClick r:id="rId6"/>
+              </a:rPr>
+              <a:t>Enfoque de todo el producto</a:t>
+            </a:r>
+            <a:r>
+              <a:rPr lang="es-ES" sz="1800" dirty="0">
+                <a:solidFill>
+                  <a:srgbClr val="333333"/>
+                </a:solidFill>
+                <a:effectLst/>
+                <a:latin typeface="Calibri" panose="020F0502020204030204" pitchFamily="34" charset="0"/>
+                <a:ea typeface="Calibri" panose="020F0502020204030204" pitchFamily="34" charset="0"/>
+                <a:cs typeface="Times New Roman" panose="02020603050405020304" pitchFamily="18" charset="0"/>
+              </a:rPr>
+              <a:t>: un </a:t>
+            </a:r>
+            <a:r>
+              <a:rPr lang="es-ES" sz="1800" dirty="0" err="1">
+                <a:solidFill>
+                  <a:srgbClr val="333333"/>
+                </a:solidFill>
+                <a:effectLst/>
+                <a:latin typeface="Calibri" panose="020F0502020204030204" pitchFamily="34" charset="0"/>
+                <a:ea typeface="Calibri" panose="020F0502020204030204" pitchFamily="34" charset="0"/>
+                <a:cs typeface="Times New Roman" panose="02020603050405020304" pitchFamily="18" charset="0"/>
+              </a:rPr>
+              <a:t>product</a:t>
+            </a:r>
+            <a:r>
+              <a:rPr lang="es-ES" sz="1800" dirty="0">
+                <a:solidFill>
+                  <a:srgbClr val="333333"/>
+                </a:solidFill>
+                <a:effectLst/>
+                <a:latin typeface="Calibri" panose="020F0502020204030204" pitchFamily="34" charset="0"/>
+                <a:ea typeface="Calibri" panose="020F0502020204030204" pitchFamily="34" charset="0"/>
+                <a:cs typeface="Times New Roman" panose="02020603050405020304" pitchFamily="18" charset="0"/>
+              </a:rPr>
+              <a:t> backlog, un </a:t>
+            </a:r>
+            <a:r>
+              <a:rPr lang="es-ES" sz="1800" dirty="0" err="1">
+                <a:solidFill>
+                  <a:srgbClr val="333333"/>
+                </a:solidFill>
+                <a:effectLst/>
+                <a:latin typeface="Calibri" panose="020F0502020204030204" pitchFamily="34" charset="0"/>
+                <a:ea typeface="Calibri" panose="020F0502020204030204" pitchFamily="34" charset="0"/>
+                <a:cs typeface="Times New Roman" panose="02020603050405020304" pitchFamily="18" charset="0"/>
+              </a:rPr>
+              <a:t>product</a:t>
+            </a:r>
+            <a:r>
+              <a:rPr lang="es-ES" sz="1800" dirty="0">
+                <a:solidFill>
+                  <a:srgbClr val="333333"/>
+                </a:solidFill>
+                <a:effectLst/>
+                <a:latin typeface="Calibri" panose="020F0502020204030204" pitchFamily="34" charset="0"/>
+                <a:ea typeface="Calibri" panose="020F0502020204030204" pitchFamily="34" charset="0"/>
+                <a:cs typeface="Times New Roman" panose="02020603050405020304" pitchFamily="18" charset="0"/>
+              </a:rPr>
+              <a:t> </a:t>
+            </a:r>
+            <a:r>
+              <a:rPr lang="es-ES" sz="1800" dirty="0" err="1">
+                <a:solidFill>
+                  <a:srgbClr val="333333"/>
+                </a:solidFill>
+                <a:effectLst/>
+                <a:latin typeface="Calibri" panose="020F0502020204030204" pitchFamily="34" charset="0"/>
+                <a:ea typeface="Calibri" panose="020F0502020204030204" pitchFamily="34" charset="0"/>
+                <a:cs typeface="Times New Roman" panose="02020603050405020304" pitchFamily="18" charset="0"/>
+              </a:rPr>
+              <a:t>owner</a:t>
+            </a:r>
+            <a:r>
+              <a:rPr lang="es-ES" sz="1800" dirty="0">
+                <a:solidFill>
+                  <a:srgbClr val="333333"/>
+                </a:solidFill>
+                <a:effectLst/>
+                <a:latin typeface="Calibri" panose="020F0502020204030204" pitchFamily="34" charset="0"/>
+                <a:ea typeface="Calibri" panose="020F0502020204030204" pitchFamily="34" charset="0"/>
+                <a:cs typeface="Times New Roman" panose="02020603050405020304" pitchFamily="18" charset="0"/>
+              </a:rPr>
+              <a:t>, un producto enviable, un Sprint, independientemente de si son 3 o 33 equipos. Los clientes quieren una funcionalidad valiosa en un producto cohesivo, no componentes técnicos en partes separadas.</a:t>
+            </a:r>
+            <a:endParaRPr lang="es-ES" sz="1800" dirty="0">
+              <a:effectLst/>
+              <a:latin typeface="Calibri" panose="020F0502020204030204" pitchFamily="34" charset="0"/>
+              <a:ea typeface="Calibri" panose="020F0502020204030204" pitchFamily="34" charset="0"/>
+              <a:cs typeface="Times New Roman" panose="02020603050405020304" pitchFamily="18" charset="0"/>
+            </a:endParaRPr>
+          </a:p>
+          <a:p>
+            <a:pPr>
+              <a:lnSpc>
+                <a:spcPct val="107000"/>
+              </a:lnSpc>
+              <a:spcAft>
+                <a:spcPts val="750"/>
+              </a:spcAft>
+            </a:pPr>
+            <a:r>
+              <a:rPr lang="es-ES" sz="1800" u="none" strike="noStrike" dirty="0">
+                <a:solidFill>
+                  <a:srgbClr val="337AB7"/>
+                </a:solidFill>
+                <a:effectLst/>
+                <a:latin typeface="Calibri" panose="020F0502020204030204" pitchFamily="34" charset="0"/>
+                <a:ea typeface="Calibri" panose="020F0502020204030204" pitchFamily="34" charset="0"/>
+                <a:cs typeface="Times New Roman" panose="02020603050405020304" pitchFamily="18" charset="0"/>
+                <a:hlinkClick r:id="rId7"/>
+              </a:rPr>
+              <a:t>Centrado en el cliente</a:t>
+            </a:r>
+            <a:r>
+              <a:rPr lang="es-ES" sz="1800" dirty="0">
+                <a:solidFill>
+                  <a:srgbClr val="333333"/>
+                </a:solidFill>
+                <a:effectLst/>
+                <a:latin typeface="Calibri" panose="020F0502020204030204" pitchFamily="34" charset="0"/>
+                <a:ea typeface="Calibri" panose="020F0502020204030204" pitchFamily="34" charset="0"/>
+                <a:cs typeface="Times New Roman" panose="02020603050405020304" pitchFamily="18" charset="0"/>
+              </a:rPr>
+              <a:t>: concéntrese en aprender los problemas reales de los clientes y resolverlos. Identifique el valor y el desperdicio a los ojos de los clientes. </a:t>
+            </a:r>
+            <a:endParaRPr lang="es-ES" sz="1800" dirty="0">
+              <a:effectLst/>
+              <a:latin typeface="Calibri" panose="020F0502020204030204" pitchFamily="34" charset="0"/>
+              <a:ea typeface="Calibri" panose="020F0502020204030204" pitchFamily="34" charset="0"/>
+              <a:cs typeface="Times New Roman" panose="02020603050405020304" pitchFamily="18" charset="0"/>
+            </a:endParaRPr>
+          </a:p>
+          <a:p>
+            <a:pPr marL="342900" lvl="0" indent="-342900">
+              <a:lnSpc>
+                <a:spcPct val="107000"/>
+              </a:lnSpc>
+              <a:spcAft>
+                <a:spcPts val="750"/>
+              </a:spcAft>
+              <a:buFont typeface="Symbol" panose="05050102010706020507" pitchFamily="18" charset="2"/>
+              <a:buChar char=""/>
+            </a:pPr>
+            <a:r>
+              <a:rPr lang="es-ES" sz="1800" dirty="0">
+                <a:solidFill>
+                  <a:srgbClr val="333333"/>
+                </a:solidFill>
+                <a:effectLst/>
+                <a:latin typeface="Calibri" panose="020F0502020204030204" pitchFamily="34" charset="0"/>
+                <a:ea typeface="Calibri" panose="020F0502020204030204" pitchFamily="34" charset="0"/>
+                <a:cs typeface="Times New Roman" panose="02020603050405020304" pitchFamily="18" charset="0"/>
+              </a:rPr>
+              <a:t>Reduzca el tiempo de espera desde su perspectiva.</a:t>
+            </a:r>
+            <a:endParaRPr lang="es-ES" sz="1800" dirty="0">
+              <a:effectLst/>
+              <a:latin typeface="Calibri" panose="020F0502020204030204" pitchFamily="34" charset="0"/>
+              <a:ea typeface="Calibri" panose="020F0502020204030204" pitchFamily="34" charset="0"/>
+              <a:cs typeface="Times New Roman" panose="02020603050405020304" pitchFamily="18" charset="0"/>
+            </a:endParaRPr>
+          </a:p>
+          <a:p>
+            <a:pPr marL="342900" lvl="0" indent="-342900">
+              <a:lnSpc>
+                <a:spcPct val="107000"/>
+              </a:lnSpc>
+              <a:spcAft>
+                <a:spcPts val="750"/>
+              </a:spcAft>
+              <a:buFont typeface="Symbol" panose="05050102010706020507" pitchFamily="18" charset="2"/>
+              <a:buChar char=""/>
+            </a:pPr>
+            <a:r>
+              <a:rPr lang="es-ES" sz="1800" dirty="0">
+                <a:solidFill>
+                  <a:srgbClr val="333333"/>
+                </a:solidFill>
+                <a:effectLst/>
+                <a:latin typeface="Calibri" panose="020F0502020204030204" pitchFamily="34" charset="0"/>
+                <a:ea typeface="Calibri" panose="020F0502020204030204" pitchFamily="34" charset="0"/>
+                <a:cs typeface="Times New Roman" panose="02020603050405020304" pitchFamily="18" charset="0"/>
+              </a:rPr>
+              <a:t> Aumente y fortalezca los ciclos de retroalimentación con clientes reales. </a:t>
+            </a:r>
+            <a:endParaRPr lang="es-ES" sz="1800" dirty="0">
+              <a:effectLst/>
+              <a:latin typeface="Calibri" panose="020F0502020204030204" pitchFamily="34" charset="0"/>
+              <a:ea typeface="Calibri" panose="020F0502020204030204" pitchFamily="34" charset="0"/>
+              <a:cs typeface="Times New Roman" panose="02020603050405020304" pitchFamily="18" charset="0"/>
+            </a:endParaRPr>
+          </a:p>
+          <a:p>
+            <a:pPr marL="342900" lvl="0" indent="-342900">
+              <a:lnSpc>
+                <a:spcPct val="107000"/>
+              </a:lnSpc>
+              <a:spcAft>
+                <a:spcPts val="750"/>
+              </a:spcAft>
+              <a:buFont typeface="Symbol" panose="05050102010706020507" pitchFamily="18" charset="2"/>
+              <a:buChar char=""/>
+            </a:pPr>
+            <a:r>
+              <a:rPr lang="es-ES" sz="1800" dirty="0">
+                <a:solidFill>
+                  <a:srgbClr val="333333"/>
+                </a:solidFill>
+                <a:effectLst/>
+                <a:latin typeface="Calibri" panose="020F0502020204030204" pitchFamily="34" charset="0"/>
+                <a:ea typeface="Calibri" panose="020F0502020204030204" pitchFamily="34" charset="0"/>
+                <a:cs typeface="Times New Roman" panose="02020603050405020304" pitchFamily="18" charset="0"/>
+              </a:rPr>
+              <a:t>Todo el mundo entiende cómo su trabajo hoy en día se relaciona directamente y beneficia a los clientes que pagan.</a:t>
+            </a:r>
+            <a:endParaRPr lang="es-ES" sz="1800" dirty="0">
+              <a:effectLst/>
+              <a:latin typeface="Calibri" panose="020F0502020204030204" pitchFamily="34" charset="0"/>
+              <a:ea typeface="Calibri" panose="020F0502020204030204" pitchFamily="34" charset="0"/>
+              <a:cs typeface="Times New Roman" panose="02020603050405020304" pitchFamily="18" charset="0"/>
+            </a:endParaRPr>
+          </a:p>
+          <a:p>
+            <a:pPr>
+              <a:lnSpc>
+                <a:spcPct val="107000"/>
+              </a:lnSpc>
+              <a:spcAft>
+                <a:spcPts val="750"/>
+              </a:spcAft>
+            </a:pPr>
+            <a:r>
+              <a:rPr lang="es-ES" sz="1800" u="none" strike="noStrike" dirty="0">
+                <a:solidFill>
+                  <a:srgbClr val="337AB7"/>
+                </a:solidFill>
+                <a:effectLst/>
+                <a:latin typeface="Calibri" panose="020F0502020204030204" pitchFamily="34" charset="0"/>
+                <a:ea typeface="Calibri" panose="020F0502020204030204" pitchFamily="34" charset="0"/>
+                <a:cs typeface="Times New Roman" panose="02020603050405020304" pitchFamily="18" charset="0"/>
+                <a:hlinkClick r:id="rId8"/>
+              </a:rPr>
+              <a:t>Mejora continua hacia la perfección</a:t>
+            </a:r>
+            <a:r>
+              <a:rPr lang="es-ES" sz="1800" dirty="0">
+                <a:solidFill>
+                  <a:srgbClr val="333333"/>
+                </a:solidFill>
+                <a:effectLst/>
+                <a:latin typeface="Calibri" panose="020F0502020204030204" pitchFamily="34" charset="0"/>
+                <a:ea typeface="Calibri" panose="020F0502020204030204" pitchFamily="34" charset="0"/>
+                <a:cs typeface="Times New Roman" panose="02020603050405020304" pitchFamily="18" charset="0"/>
+              </a:rPr>
+              <a:t>: aquí hay un objetivo de perfección: crear y entregar un producto casi todo el tiempo, casi sin costo, sin defectos, que deleite a los clientes, mejore el medio ambiente y mejore la vida. Haga un sinfín de experimentos de mejora humildes y radicales hacia ese objetivo.</a:t>
+            </a:r>
+            <a:endParaRPr lang="es-ES" sz="1800" dirty="0">
+              <a:effectLst/>
+              <a:latin typeface="Calibri" panose="020F0502020204030204" pitchFamily="34" charset="0"/>
+              <a:ea typeface="Calibri" panose="020F0502020204030204" pitchFamily="34" charset="0"/>
+              <a:cs typeface="Times New Roman" panose="02020603050405020304" pitchFamily="18" charset="0"/>
+            </a:endParaRPr>
+          </a:p>
+          <a:p>
+            <a:pPr>
+              <a:lnSpc>
+                <a:spcPct val="107000"/>
+              </a:lnSpc>
+              <a:spcAft>
+                <a:spcPts val="750"/>
+              </a:spcAft>
+            </a:pPr>
+            <a:r>
+              <a:rPr lang="es-ES" sz="1800" u="none" strike="noStrike" dirty="0">
+                <a:solidFill>
+                  <a:srgbClr val="337AB7"/>
+                </a:solidFill>
+                <a:effectLst/>
+                <a:latin typeface="Calibri" panose="020F0502020204030204" pitchFamily="34" charset="0"/>
+                <a:ea typeface="Calibri" panose="020F0502020204030204" pitchFamily="34" charset="0"/>
+                <a:cs typeface="Times New Roman" panose="02020603050405020304" pitchFamily="18" charset="0"/>
+                <a:hlinkClick r:id="rId9"/>
+              </a:rPr>
+              <a:t>Pensamiento Lean</a:t>
+            </a:r>
+            <a:r>
+              <a:rPr lang="es-ES" sz="1800" dirty="0">
+                <a:solidFill>
+                  <a:srgbClr val="333333"/>
+                </a:solidFill>
+                <a:effectLst/>
+                <a:latin typeface="Calibri" panose="020F0502020204030204" pitchFamily="34" charset="0"/>
+                <a:ea typeface="Calibri" panose="020F0502020204030204" pitchFamily="34" charset="0"/>
+                <a:cs typeface="Times New Roman" panose="02020603050405020304" pitchFamily="18" charset="0"/>
+              </a:rPr>
+              <a:t>: </a:t>
+            </a:r>
+            <a:endParaRPr lang="es-ES" sz="1800" dirty="0">
+              <a:effectLst/>
+              <a:latin typeface="Calibri" panose="020F0502020204030204" pitchFamily="34" charset="0"/>
+              <a:ea typeface="Calibri" panose="020F0502020204030204" pitchFamily="34" charset="0"/>
+              <a:cs typeface="Times New Roman" panose="02020603050405020304" pitchFamily="18" charset="0"/>
+            </a:endParaRPr>
+          </a:p>
+          <a:p>
+            <a:pPr>
+              <a:lnSpc>
+                <a:spcPct val="107000"/>
+              </a:lnSpc>
+              <a:spcAft>
+                <a:spcPts val="750"/>
+              </a:spcAft>
+            </a:pPr>
+            <a:r>
+              <a:rPr lang="es-ES" sz="1800" u="none" strike="noStrike" dirty="0">
+                <a:solidFill>
+                  <a:srgbClr val="337AB7"/>
+                </a:solidFill>
+                <a:effectLst/>
+                <a:latin typeface="Calibri" panose="020F0502020204030204" pitchFamily="34" charset="0"/>
+                <a:ea typeface="Calibri" panose="020F0502020204030204" pitchFamily="34" charset="0"/>
+                <a:cs typeface="Times New Roman" panose="02020603050405020304" pitchFamily="18" charset="0"/>
+                <a:hlinkClick r:id="rId10"/>
+              </a:rPr>
+              <a:t>Pensamiento sistémico</a:t>
+            </a:r>
+            <a:endParaRPr lang="es-ES" sz="1800" dirty="0">
+              <a:effectLst/>
+              <a:latin typeface="Calibri" panose="020F0502020204030204" pitchFamily="34" charset="0"/>
+              <a:ea typeface="Calibri" panose="020F0502020204030204" pitchFamily="34" charset="0"/>
+              <a:cs typeface="Times New Roman" panose="02020603050405020304" pitchFamily="18" charset="0"/>
+            </a:endParaRPr>
+          </a:p>
+          <a:p>
+            <a:pPr>
+              <a:lnSpc>
+                <a:spcPct val="107000"/>
+              </a:lnSpc>
+              <a:spcAft>
+                <a:spcPts val="750"/>
+              </a:spcAft>
+            </a:pPr>
+            <a:r>
+              <a:rPr lang="es-ES" sz="1800" u="none" strike="noStrike" dirty="0">
+                <a:solidFill>
+                  <a:srgbClr val="337AB7"/>
+                </a:solidFill>
+                <a:effectLst/>
+                <a:latin typeface="Calibri" panose="020F0502020204030204" pitchFamily="34" charset="0"/>
+                <a:ea typeface="Calibri" panose="020F0502020204030204" pitchFamily="34" charset="0"/>
+                <a:cs typeface="Times New Roman" panose="02020603050405020304" pitchFamily="18" charset="0"/>
+                <a:hlinkClick r:id="rId11"/>
+              </a:rPr>
+              <a:t>Control empírico de </a:t>
+            </a:r>
+            <a:r>
+              <a:rPr lang="es-ES" sz="1800" dirty="0">
+                <a:solidFill>
+                  <a:srgbClr val="333333"/>
+                </a:solidFill>
+                <a:effectLst/>
+                <a:latin typeface="Calibri" panose="020F0502020204030204" pitchFamily="34" charset="0"/>
+                <a:ea typeface="Calibri" panose="020F0502020204030204" pitchFamily="34" charset="0"/>
+                <a:cs typeface="Times New Roman" panose="02020603050405020304" pitchFamily="18" charset="0"/>
+              </a:rPr>
+              <a:t>procesos: inspeccione y adapte continuamente el producto, los procesos, los comportamientos, el diseño organizacional y las prácticas para evolucionar de manera apropiada para la situación. Haga eso, en lugar de seguir un conjunto prescrito de las llamadas mejores prácticas que ignoran el contexto, crean seguidores rituales, impiden el aprendizaje y el cambio, y aplastan el sentido de compromiso y propiedad de las personas.</a:t>
+            </a:r>
+            <a:endParaRPr lang="es-ES" sz="1800" dirty="0">
+              <a:effectLst/>
+              <a:latin typeface="Calibri" panose="020F0502020204030204" pitchFamily="34" charset="0"/>
+              <a:ea typeface="Calibri" panose="020F0502020204030204" pitchFamily="34" charset="0"/>
+              <a:cs typeface="Times New Roman" panose="02020603050405020304" pitchFamily="18" charset="0"/>
+            </a:endParaRPr>
+          </a:p>
+          <a:p>
+            <a:pPr>
+              <a:lnSpc>
+                <a:spcPct val="107000"/>
+              </a:lnSpc>
+              <a:spcAft>
+                <a:spcPts val="750"/>
+              </a:spcAft>
+            </a:pPr>
+            <a:r>
+              <a:rPr lang="es-ES" sz="1800" u="none" strike="noStrike" dirty="0">
+                <a:solidFill>
+                  <a:srgbClr val="337AB7"/>
+                </a:solidFill>
+                <a:effectLst/>
+                <a:latin typeface="Calibri" panose="020F0502020204030204" pitchFamily="34" charset="0"/>
+                <a:ea typeface="Calibri" panose="020F0502020204030204" pitchFamily="34" charset="0"/>
+                <a:cs typeface="Times New Roman" panose="02020603050405020304" pitchFamily="18" charset="0"/>
+                <a:hlinkClick r:id="rId12"/>
+              </a:rPr>
+              <a:t>Teoría de </a:t>
+            </a:r>
+            <a:r>
+              <a:rPr lang="es-ES" sz="1800" dirty="0">
+                <a:solidFill>
+                  <a:srgbClr val="333333"/>
+                </a:solidFill>
+                <a:effectLst/>
+                <a:latin typeface="Calibri" panose="020F0502020204030204" pitchFamily="34" charset="0"/>
+                <a:ea typeface="Calibri" panose="020F0502020204030204" pitchFamily="34" charset="0"/>
+                <a:cs typeface="Times New Roman" panose="02020603050405020304" pitchFamily="18" charset="0"/>
+              </a:rPr>
+              <a:t>colas: comprenda cómo se comportan los sistemas con colas en el dominio de I+D y aplique esos conocimientos a la administración de tamaños de cola, límites de trabajo en curso, multitarea, paquetes de trabajo y variabilidad.</a:t>
+            </a:r>
+            <a:endParaRPr lang="es-ES" sz="1800" dirty="0">
+              <a:effectLst/>
+              <a:latin typeface="Calibri" panose="020F0502020204030204" pitchFamily="34" charset="0"/>
+              <a:ea typeface="Calibri" panose="020F0502020204030204" pitchFamily="34" charset="0"/>
+              <a:cs typeface="Times New Roman" panose="02020603050405020304" pitchFamily="18" charset="0"/>
+            </a:endParaRPr>
+          </a:p>
+          <a:p>
+            <a:endParaRPr lang="es-ES" dirty="0"/>
+          </a:p>
+        </p:txBody>
+      </p:sp>
+      <p:sp>
+        <p:nvSpPr>
+          <p:cNvPr id="4" name="Marcador de número de diapositiva 3"/>
+          <p:cNvSpPr>
+            <a:spLocks noGrp="1"/>
+          </p:cNvSpPr>
+          <p:nvPr>
+            <p:ph type="sldNum" sz="quarter" idx="5"/>
+          </p:nvPr>
+        </p:nvSpPr>
+        <p:spPr/>
+        <p:txBody>
+          <a:bodyPr/>
+          <a:lstStyle/>
+          <a:p>
+            <a:fld id="{EDBCE6EF-E99C-4113-ACC7-C24092A3882D}" type="slidenum">
+              <a:rPr lang="es-ES" smtClean="0"/>
+              <a:t>4</a:t>
+            </a:fld>
+            <a:endParaRPr lang="es-ES"/>
+          </a:p>
+        </p:txBody>
+      </p:sp>
+    </p:spTree>
+    <p:extLst>
+      <p:ext uri="{BB962C8B-B14F-4D97-AF65-F5344CB8AC3E}">
+        <p14:creationId xmlns:p14="http://schemas.microsoft.com/office/powerpoint/2010/main" val="2976189752"/>
+      </p:ext>
+    </p:extLst>
+  </p:cSld>
+  <p:clrMapOvr>
+    <a:masterClrMapping/>
+  </p:clrMapOvr>
+</p:notes>
+</file>
+
+<file path=ppt/notesSlides/notesSlide2.xml><?xml version="1.0" encoding="utf-8"?>
+<p:notes xmlns:a="http://schemas.openxmlformats.org/drawingml/2006/main" xmlns:r="http://schemas.openxmlformats.org/officeDocument/2006/relationships" xmlns:p="http://schemas.openxmlformats.org/presentationml/2006/main">
+  <p:cSld>
+    <p:spTree>
+      <p:nvGrpSpPr>
+        <p:cNvPr id="1" name=""/>
+        <p:cNvGrpSpPr/>
+        <p:nvPr/>
+      </p:nvGrpSpPr>
+      <p:grpSpPr>
+        <a:xfrm>
+          <a:off x="0" y="0"/>
+          <a:ext cx="0" cy="0"/>
+          <a:chOff x="0" y="0"/>
+          <a:chExt cx="0" cy="0"/>
+        </a:xfrm>
+      </p:grpSpPr>
+      <p:sp>
+        <p:nvSpPr>
+          <p:cNvPr id="2" name="Marcador de imagen de diapositiva 1"/>
+          <p:cNvSpPr>
+            <a:spLocks noGrp="1" noRot="1" noChangeAspect="1"/>
+          </p:cNvSpPr>
+          <p:nvPr>
+            <p:ph type="sldImg"/>
+          </p:nvPr>
+        </p:nvSpPr>
+        <p:spPr/>
+      </p:sp>
+      <p:sp>
+        <p:nvSpPr>
+          <p:cNvPr id="3" name="Marcador de notas 2"/>
+          <p:cNvSpPr>
+            <a:spLocks noGrp="1"/>
+          </p:cNvSpPr>
+          <p:nvPr>
+            <p:ph type="body" idx="1"/>
+          </p:nvPr>
+        </p:nvSpPr>
+        <p:spPr/>
+        <p:txBody>
+          <a:bodyPr/>
+          <a:lstStyle/>
+          <a:p>
+            <a:pPr marL="342900" lvl="0" indent="-342900">
+              <a:lnSpc>
+                <a:spcPct val="107000"/>
+              </a:lnSpc>
+              <a:buFont typeface="Symbol" panose="05050102010706020507" pitchFamily="18" charset="2"/>
+              <a:buChar char=""/>
+            </a:pPr>
+            <a:r>
+              <a:rPr lang="es-ES" sz="1800" dirty="0">
+                <a:effectLst/>
+                <a:latin typeface="Calibri" panose="020F0502020204030204" pitchFamily="34" charset="0"/>
+                <a:ea typeface="Calibri" panose="020F0502020204030204" pitchFamily="34" charset="0"/>
+                <a:cs typeface="Times New Roman" panose="02020603050405020304" pitchFamily="18" charset="0"/>
+              </a:rPr>
+              <a:t>Hay un solo Product Owner, que provee la visión y una solo Product Backlog </a:t>
+            </a:r>
+          </a:p>
+          <a:p>
+            <a:pPr marL="342900" lvl="0" indent="-342900">
+              <a:lnSpc>
+                <a:spcPct val="107000"/>
+              </a:lnSpc>
+              <a:buFont typeface="Symbol" panose="05050102010706020507" pitchFamily="18" charset="2"/>
+              <a:buChar char=""/>
+            </a:pPr>
+            <a:r>
+              <a:rPr lang="es-ES" sz="1800" dirty="0">
+                <a:effectLst/>
+                <a:latin typeface="Calibri" panose="020F0502020204030204" pitchFamily="34" charset="0"/>
+                <a:ea typeface="Calibri" panose="020F0502020204030204" pitchFamily="34" charset="0"/>
+                <a:cs typeface="Times New Roman" panose="02020603050405020304" pitchFamily="18" charset="0"/>
+              </a:rPr>
+              <a:t>Genera un incremento del producto al finalizar cada Sprint de entre 1 o 4 semanas</a:t>
+            </a:r>
+          </a:p>
+          <a:p>
+            <a:pPr marL="342900" lvl="0" indent="-342900">
+              <a:lnSpc>
+                <a:spcPct val="107000"/>
+              </a:lnSpc>
+              <a:spcAft>
+                <a:spcPts val="800"/>
+              </a:spcAft>
+              <a:buFont typeface="Symbol" panose="05050102010706020507" pitchFamily="18" charset="2"/>
+              <a:buChar char=""/>
+            </a:pPr>
+            <a:r>
+              <a:rPr lang="es-ES" sz="1800" dirty="0">
+                <a:effectLst/>
+                <a:latin typeface="Calibri" panose="020F0502020204030204" pitchFamily="34" charset="0"/>
+                <a:ea typeface="Calibri" panose="020F0502020204030204" pitchFamily="34" charset="0"/>
+                <a:cs typeface="Times New Roman" panose="02020603050405020304" pitchFamily="18" charset="0"/>
+              </a:rPr>
+              <a:t>Varios equipos desarrollan este producto, de a un Sprint Compartido a la vez (REGLA: Hay un Sprint a nivel de producto, no un Sprint diferente para cada Equipo)</a:t>
+            </a:r>
+          </a:p>
+          <a:p>
+            <a:pPr marL="342900" lvl="0" indent="-342900">
+              <a:lnSpc>
+                <a:spcPct val="107000"/>
+              </a:lnSpc>
+              <a:spcAft>
+                <a:spcPts val="800"/>
+              </a:spcAft>
+              <a:buFont typeface="Symbol" panose="05050102010706020507" pitchFamily="18" charset="2"/>
+              <a:buChar char=""/>
+            </a:pPr>
+            <a:endParaRPr lang="es-ES" sz="1800" dirty="0">
+              <a:effectLst/>
+              <a:latin typeface="Calibri" panose="020F0502020204030204" pitchFamily="34" charset="0"/>
+              <a:ea typeface="Calibri" panose="020F0502020204030204" pitchFamily="34" charset="0"/>
+              <a:cs typeface="Times New Roman" panose="02020603050405020304" pitchFamily="18" charset="0"/>
+            </a:endParaRPr>
+          </a:p>
+          <a:p>
+            <a:pPr marL="342900" lvl="0" indent="-342900">
+              <a:lnSpc>
+                <a:spcPct val="107000"/>
+              </a:lnSpc>
+              <a:spcAft>
+                <a:spcPts val="800"/>
+              </a:spcAft>
+              <a:buFont typeface="Symbol" panose="05050102010706020507" pitchFamily="18" charset="2"/>
+              <a:buChar char=""/>
+            </a:pPr>
+            <a:r>
+              <a:rPr lang="es-ES" sz="1800" dirty="0">
+                <a:effectLst/>
+                <a:latin typeface="Calibri" panose="020F0502020204030204" pitchFamily="34" charset="0"/>
+                <a:ea typeface="Calibri" panose="020F0502020204030204" pitchFamily="34" charset="0"/>
+                <a:cs typeface="Times New Roman" panose="02020603050405020304" pitchFamily="18" charset="0"/>
+              </a:rPr>
+              <a:t>Durante el sprint cada equipo auto organizado implementa las funcionalidades elegidas mientras colabora e integra continuamente con los otros equipo.</a:t>
+            </a:r>
+          </a:p>
+          <a:p>
+            <a:pPr marL="228600">
+              <a:lnSpc>
+                <a:spcPct val="107000"/>
+              </a:lnSpc>
+              <a:spcAft>
+                <a:spcPts val="800"/>
+              </a:spcAft>
+            </a:pPr>
+            <a:r>
+              <a:rPr lang="es-ES" sz="1800" dirty="0">
+                <a:effectLst/>
+                <a:latin typeface="Calibri" panose="020F0502020204030204" pitchFamily="34" charset="0"/>
+                <a:ea typeface="Calibri" panose="020F0502020204030204" pitchFamily="34" charset="0"/>
+                <a:cs typeface="Times New Roman" panose="02020603050405020304" pitchFamily="18" charset="0"/>
+              </a:rPr>
+              <a:t>REGLA: Preferir la coordinación descentralizada e informal a la coordinación centralizada</a:t>
+            </a:r>
+          </a:p>
+          <a:p>
+            <a:pPr marL="228600">
+              <a:lnSpc>
+                <a:spcPct val="107000"/>
+              </a:lnSpc>
+              <a:spcAft>
+                <a:spcPts val="800"/>
+              </a:spcAft>
+            </a:pPr>
+            <a:r>
+              <a:rPr lang="es-ES" sz="1800" dirty="0">
+                <a:effectLst/>
+                <a:latin typeface="Calibri" panose="020F0502020204030204" pitchFamily="34" charset="0"/>
+                <a:ea typeface="Calibri" panose="020F0502020204030204" pitchFamily="34" charset="0"/>
+                <a:cs typeface="Times New Roman" panose="02020603050405020304" pitchFamily="18" charset="0"/>
+              </a:rPr>
+              <a:t>REGLA: La coordinación entre equipos es decidida por los equipos</a:t>
+            </a:r>
+          </a:p>
+          <a:p>
+            <a:pPr marL="342900" lvl="0" indent="-342900">
+              <a:lnSpc>
+                <a:spcPct val="107000"/>
+              </a:lnSpc>
+              <a:spcAft>
+                <a:spcPts val="800"/>
+              </a:spcAft>
+              <a:buFont typeface="Symbol" panose="05050102010706020507" pitchFamily="18" charset="2"/>
+              <a:buChar char=""/>
+            </a:pPr>
+            <a:endParaRPr lang="es-ES" sz="1800" dirty="0">
+              <a:effectLst/>
+              <a:latin typeface="Calibri" panose="020F0502020204030204" pitchFamily="34" charset="0"/>
+              <a:ea typeface="Calibri" panose="020F0502020204030204" pitchFamily="34" charset="0"/>
+              <a:cs typeface="Times New Roman" panose="02020603050405020304" pitchFamily="18" charset="0"/>
+            </a:endParaRPr>
+          </a:p>
+          <a:p>
+            <a:endParaRPr lang="es-ES" dirty="0"/>
+          </a:p>
+        </p:txBody>
+      </p:sp>
+      <p:sp>
+        <p:nvSpPr>
+          <p:cNvPr id="4" name="Marcador de número de diapositiva 3"/>
+          <p:cNvSpPr>
+            <a:spLocks noGrp="1"/>
+          </p:cNvSpPr>
+          <p:nvPr>
+            <p:ph type="sldNum" sz="quarter" idx="5"/>
+          </p:nvPr>
+        </p:nvSpPr>
+        <p:spPr/>
+        <p:txBody>
+          <a:bodyPr/>
+          <a:lstStyle/>
+          <a:p>
+            <a:fld id="{EDBCE6EF-E99C-4113-ACC7-C24092A3882D}" type="slidenum">
+              <a:rPr lang="es-ES" smtClean="0"/>
+              <a:t>5</a:t>
+            </a:fld>
+            <a:endParaRPr lang="es-ES"/>
+          </a:p>
+        </p:txBody>
+      </p:sp>
+    </p:spTree>
+    <p:extLst>
+      <p:ext uri="{BB962C8B-B14F-4D97-AF65-F5344CB8AC3E}">
+        <p14:creationId xmlns:p14="http://schemas.microsoft.com/office/powerpoint/2010/main" val="95401895"/>
+      </p:ext>
+    </p:extLst>
+  </p:cSld>
+  <p:clrMapOvr>
+    <a:masterClrMapping/>
+  </p:clrMapOvr>
+</p:notes>
+</file>
+
+<file path=ppt/notesSlides/notesSlide3.xml><?xml version="1.0" encoding="utf-8"?>
+<p:notes xmlns:a="http://schemas.openxmlformats.org/drawingml/2006/main" xmlns:r="http://schemas.openxmlformats.org/officeDocument/2006/relationships" xmlns:p="http://schemas.openxmlformats.org/presentationml/2006/main">
+  <p:cSld>
+    <p:spTree>
+      <p:nvGrpSpPr>
+        <p:cNvPr id="1" name=""/>
+        <p:cNvGrpSpPr/>
+        <p:nvPr/>
+      </p:nvGrpSpPr>
+      <p:grpSpPr>
+        <a:xfrm>
+          <a:off x="0" y="0"/>
+          <a:ext cx="0" cy="0"/>
+          <a:chOff x="0" y="0"/>
+          <a:chExt cx="0" cy="0"/>
+        </a:xfrm>
+      </p:grpSpPr>
+      <p:sp>
+        <p:nvSpPr>
+          <p:cNvPr id="2" name="Marcador de imagen de diapositiva 1"/>
+          <p:cNvSpPr>
+            <a:spLocks noGrp="1" noRot="1" noChangeAspect="1"/>
+          </p:cNvSpPr>
+          <p:nvPr>
+            <p:ph type="sldImg"/>
+          </p:nvPr>
+        </p:nvSpPr>
+        <p:spPr/>
+      </p:sp>
+      <p:sp>
+        <p:nvSpPr>
+          <p:cNvPr id="3" name="Marcador de notas 2"/>
+          <p:cNvSpPr>
+            <a:spLocks noGrp="1"/>
+          </p:cNvSpPr>
+          <p:nvPr>
+            <p:ph type="body" idx="1"/>
+          </p:nvPr>
+        </p:nvSpPr>
+        <p:spPr/>
+        <p:txBody>
+          <a:bodyPr/>
+          <a:lstStyle/>
+          <a:p>
+            <a:pPr marL="0" marR="0" lvl="0" indent="0" algn="l" defTabSz="914400" rtl="0" eaLnBrk="1" fontAlgn="auto" latinLnBrk="0" hangingPunct="1">
+              <a:lnSpc>
+                <a:spcPct val="100000"/>
+              </a:lnSpc>
+              <a:spcBef>
+                <a:spcPts val="0"/>
+              </a:spcBef>
+              <a:spcAft>
+                <a:spcPts val="0"/>
+              </a:spcAft>
+              <a:buClrTx/>
+              <a:buSzTx/>
+              <a:buFontTx/>
+              <a:buNone/>
+              <a:tabLst/>
+              <a:defRPr/>
+            </a:pPr>
+            <a:r>
+              <a:rPr lang="es-ES" sz="1800" dirty="0">
+                <a:effectLst/>
+                <a:latin typeface="Calibri" panose="020F0502020204030204" pitchFamily="34" charset="0"/>
+                <a:ea typeface="Calibri" panose="020F0502020204030204" pitchFamily="34" charset="0"/>
+                <a:cs typeface="Times New Roman" panose="02020603050405020304" pitchFamily="18" charset="0"/>
+              </a:rPr>
+              <a:t>REGLA: La planificación del sprint consta de dos partes: la planificación del sprint uno es común para todos los equipos, mientras que la planificación del sprint dos generalmente se realiza por separado para cada equipo. Realice la planificación de Sprint dos en varios equipos en un espacio compartido para elementos estrechamente relacionados</a:t>
+            </a:r>
+          </a:p>
+          <a:p>
+            <a:pPr marL="342900" lvl="0" indent="-342900">
+              <a:lnSpc>
+                <a:spcPct val="107000"/>
+              </a:lnSpc>
+              <a:buFont typeface="Symbol" panose="05050102010706020507" pitchFamily="18" charset="2"/>
+              <a:buChar char=""/>
+            </a:pPr>
+            <a:r>
+              <a:rPr lang="es-ES" sz="1100" dirty="0">
+                <a:effectLst/>
+                <a:latin typeface="Calibri" panose="020F0502020204030204" pitchFamily="34" charset="0"/>
+                <a:ea typeface="Calibri" panose="020F0502020204030204" pitchFamily="34" charset="0"/>
+                <a:cs typeface="Times New Roman" panose="02020603050405020304" pitchFamily="18" charset="0"/>
+              </a:rPr>
+              <a:t>Cada sprint inicia con dos planificaciones </a:t>
+            </a:r>
+          </a:p>
+          <a:p>
+            <a:pPr marL="742950" lvl="1" indent="-285750">
+              <a:lnSpc>
+                <a:spcPct val="107000"/>
+              </a:lnSpc>
+              <a:buFont typeface="Courier New" panose="02070309020205020404" pitchFamily="49" charset="0"/>
+              <a:buChar char="o"/>
+            </a:pPr>
+            <a:r>
+              <a:rPr lang="es-ES" sz="1100" dirty="0">
+                <a:effectLst/>
+                <a:latin typeface="Calibri" panose="020F0502020204030204" pitchFamily="34" charset="0"/>
+                <a:ea typeface="Calibri" panose="020F0502020204030204" pitchFamily="34" charset="0"/>
+                <a:cs typeface="Times New Roman" panose="02020603050405020304" pitchFamily="18" charset="0"/>
+              </a:rPr>
+              <a:t>Evento corto y compartido donde cada equipo elige los ítems de la cima del Product Backlog que implementarán en el Sprint </a:t>
+            </a:r>
+          </a:p>
+          <a:p>
+            <a:pPr marL="742950" lvl="1" indent="-285750">
+              <a:lnSpc>
+                <a:spcPct val="107000"/>
+              </a:lnSpc>
+              <a:spcAft>
+                <a:spcPts val="800"/>
+              </a:spcAft>
+              <a:buFont typeface="Courier New" panose="02070309020205020404" pitchFamily="49" charset="0"/>
+              <a:buChar char="o"/>
+            </a:pPr>
+            <a:r>
+              <a:rPr lang="es-ES" sz="1100" dirty="0">
+                <a:effectLst/>
+                <a:latin typeface="Calibri" panose="020F0502020204030204" pitchFamily="34" charset="0"/>
+                <a:ea typeface="Calibri" panose="020F0502020204030204" pitchFamily="34" charset="0"/>
+                <a:cs typeface="Times New Roman" panose="02020603050405020304" pitchFamily="18" charset="0"/>
+              </a:rPr>
+              <a:t>El segundo evento cada equipo discute sus estrategias para implementar esas características. </a:t>
+            </a:r>
+          </a:p>
+          <a:p>
+            <a:pPr>
+              <a:lnSpc>
+                <a:spcPct val="107000"/>
+              </a:lnSpc>
+              <a:spcAft>
+                <a:spcPts val="800"/>
+              </a:spcAft>
+            </a:pPr>
+            <a:r>
+              <a:rPr lang="es-ES" sz="1350" dirty="0">
+                <a:solidFill>
+                  <a:srgbClr val="333333"/>
+                </a:solidFill>
+                <a:effectLst/>
+                <a:latin typeface="Calibri" panose="020F0502020204030204" pitchFamily="34" charset="0"/>
+                <a:ea typeface="Calibri" panose="020F0502020204030204" pitchFamily="34" charset="0"/>
+                <a:cs typeface="Times New Roman" panose="02020603050405020304" pitchFamily="18" charset="0"/>
+              </a:rPr>
+              <a:t>REGLA: Sprint Planning </a:t>
+            </a:r>
+            <a:r>
+              <a:rPr lang="es-ES" sz="1350" dirty="0" err="1">
+                <a:solidFill>
+                  <a:srgbClr val="333333"/>
+                </a:solidFill>
+                <a:effectLst/>
+                <a:latin typeface="Calibri" panose="020F0502020204030204" pitchFamily="34" charset="0"/>
+                <a:ea typeface="Calibri" panose="020F0502020204030204" pitchFamily="34" charset="0"/>
+                <a:cs typeface="Times New Roman" panose="02020603050405020304" pitchFamily="18" charset="0"/>
+              </a:rPr>
+              <a:t>One</a:t>
+            </a:r>
+            <a:r>
+              <a:rPr lang="es-ES" sz="1350" dirty="0">
+                <a:solidFill>
+                  <a:srgbClr val="333333"/>
+                </a:solidFill>
+                <a:effectLst/>
+                <a:latin typeface="Calibri" panose="020F0502020204030204" pitchFamily="34" charset="0"/>
+                <a:ea typeface="Calibri" panose="020F0502020204030204" pitchFamily="34" charset="0"/>
+                <a:cs typeface="Times New Roman" panose="02020603050405020304" pitchFamily="18" charset="0"/>
+              </a:rPr>
+              <a:t> es asistido por el Propietario del Producto y los Equipos o representantes del Equipo. Juntos seleccionan tentativamente los elementos en los que cada equipo trabajará para el próximo Sprint</a:t>
+            </a:r>
+            <a:endParaRPr lang="es-ES" sz="1100" dirty="0">
+              <a:effectLst/>
+              <a:latin typeface="Calibri" panose="020F0502020204030204" pitchFamily="34" charset="0"/>
+              <a:ea typeface="Calibri" panose="020F0502020204030204" pitchFamily="34" charset="0"/>
+              <a:cs typeface="Times New Roman" panose="02020603050405020304" pitchFamily="18" charset="0"/>
+            </a:endParaRPr>
+          </a:p>
+          <a:p>
+            <a:endParaRPr lang="es-ES" dirty="0"/>
+          </a:p>
+        </p:txBody>
+      </p:sp>
+      <p:sp>
+        <p:nvSpPr>
+          <p:cNvPr id="4" name="Marcador de número de diapositiva 3"/>
+          <p:cNvSpPr>
+            <a:spLocks noGrp="1"/>
+          </p:cNvSpPr>
+          <p:nvPr>
+            <p:ph type="sldNum" sz="quarter" idx="5"/>
+          </p:nvPr>
+        </p:nvSpPr>
+        <p:spPr/>
+        <p:txBody>
+          <a:bodyPr/>
+          <a:lstStyle/>
+          <a:p>
+            <a:fld id="{EDBCE6EF-E99C-4113-ACC7-C24092A3882D}" type="slidenum">
+              <a:rPr lang="es-ES" smtClean="0"/>
+              <a:t>6</a:t>
+            </a:fld>
+            <a:endParaRPr lang="es-ES"/>
+          </a:p>
+        </p:txBody>
+      </p:sp>
+    </p:spTree>
+    <p:extLst>
+      <p:ext uri="{BB962C8B-B14F-4D97-AF65-F5344CB8AC3E}">
+        <p14:creationId xmlns:p14="http://schemas.microsoft.com/office/powerpoint/2010/main" val="3928782956"/>
+      </p:ext>
+    </p:extLst>
+  </p:cSld>
+  <p:clrMapOvr>
+    <a:masterClrMapping/>
+  </p:clrMapOvr>
+</p:notes>
+</file>
+
+<file path=ppt/notesSlides/notesSlide4.xml><?xml version="1.0" encoding="utf-8"?>
+<p:notes xmlns:a="http://schemas.openxmlformats.org/drawingml/2006/main" xmlns:r="http://schemas.openxmlformats.org/officeDocument/2006/relationships" xmlns:p="http://schemas.openxmlformats.org/presentationml/2006/main">
+  <p:cSld>
+    <p:spTree>
+      <p:nvGrpSpPr>
+        <p:cNvPr id="1" name=""/>
+        <p:cNvGrpSpPr/>
+        <p:nvPr/>
+      </p:nvGrpSpPr>
+      <p:grpSpPr>
+        <a:xfrm>
+          <a:off x="0" y="0"/>
+          <a:ext cx="0" cy="0"/>
+          <a:chOff x="0" y="0"/>
+          <a:chExt cx="0" cy="0"/>
+        </a:xfrm>
+      </p:grpSpPr>
+      <p:sp>
+        <p:nvSpPr>
+          <p:cNvPr id="2" name="Marcador de imagen de diapositiva 1"/>
+          <p:cNvSpPr>
+            <a:spLocks noGrp="1" noRot="1" noChangeAspect="1"/>
+          </p:cNvSpPr>
+          <p:nvPr>
+            <p:ph type="sldImg"/>
+          </p:nvPr>
+        </p:nvSpPr>
+        <p:spPr/>
+      </p:sp>
+      <p:sp>
+        <p:nvSpPr>
+          <p:cNvPr id="3" name="Marcador de notas 2"/>
+          <p:cNvSpPr>
+            <a:spLocks noGrp="1"/>
+          </p:cNvSpPr>
+          <p:nvPr>
+            <p:ph type="body" idx="1"/>
+          </p:nvPr>
+        </p:nvSpPr>
+        <p:spPr/>
+        <p:txBody>
+          <a:bodyPr/>
+          <a:lstStyle/>
+          <a:p>
+            <a:pPr marL="342900" lvl="0" indent="-342900">
+              <a:lnSpc>
+                <a:spcPct val="107000"/>
+              </a:lnSpc>
+              <a:spcAft>
+                <a:spcPts val="800"/>
+              </a:spcAft>
+              <a:buFont typeface="Symbol" panose="05050102010706020507" pitchFamily="18" charset="2"/>
+              <a:buChar char=""/>
+            </a:pPr>
+            <a:r>
+              <a:rPr lang="es-ES" sz="1800" dirty="0">
+                <a:effectLst/>
+                <a:latin typeface="Calibri" panose="020F0502020204030204" pitchFamily="34" charset="0"/>
+                <a:ea typeface="Calibri" panose="020F0502020204030204" pitchFamily="34" charset="0"/>
+                <a:cs typeface="Times New Roman" panose="02020603050405020304" pitchFamily="18" charset="0"/>
+              </a:rPr>
+              <a:t>Durante el sprint cada equipo auto organizado implementa las funcionalidades elegidas mientras colabora e integra continuamente con los otros equipo.</a:t>
+            </a:r>
+          </a:p>
+          <a:p>
+            <a:pPr marL="228600">
+              <a:lnSpc>
+                <a:spcPct val="107000"/>
+              </a:lnSpc>
+              <a:spcAft>
+                <a:spcPts val="800"/>
+              </a:spcAft>
+            </a:pPr>
+            <a:r>
+              <a:rPr lang="es-ES" sz="1800" dirty="0">
+                <a:effectLst/>
+                <a:latin typeface="Calibri" panose="020F0502020204030204" pitchFamily="34" charset="0"/>
+                <a:ea typeface="Calibri" panose="020F0502020204030204" pitchFamily="34" charset="0"/>
+                <a:cs typeface="Times New Roman" panose="02020603050405020304" pitchFamily="18" charset="0"/>
+              </a:rPr>
+              <a:t>REGLA: Preferir la coordinación descentralizada e informal a la coordinación centralizada</a:t>
+            </a:r>
+          </a:p>
+          <a:p>
+            <a:pPr marL="228600">
+              <a:lnSpc>
+                <a:spcPct val="107000"/>
+              </a:lnSpc>
+              <a:spcAft>
+                <a:spcPts val="800"/>
+              </a:spcAft>
+            </a:pPr>
+            <a:r>
+              <a:rPr lang="es-ES" sz="1800" dirty="0">
+                <a:effectLst/>
+                <a:latin typeface="Calibri" panose="020F0502020204030204" pitchFamily="34" charset="0"/>
+                <a:ea typeface="Calibri" panose="020F0502020204030204" pitchFamily="34" charset="0"/>
+                <a:cs typeface="Times New Roman" panose="02020603050405020304" pitchFamily="18" charset="0"/>
+              </a:rPr>
+              <a:t>REGLA: La coordinación entre equipos es decidida por los equipos</a:t>
+            </a:r>
+          </a:p>
+          <a:p>
+            <a:pPr marL="342900" lvl="0" indent="-342900">
+              <a:lnSpc>
+                <a:spcPct val="107000"/>
+              </a:lnSpc>
+              <a:buFont typeface="Symbol" panose="05050102010706020507" pitchFamily="18" charset="2"/>
+              <a:buChar char=""/>
+            </a:pPr>
+            <a:r>
+              <a:rPr lang="es-ES" sz="1800" dirty="0">
+                <a:effectLst/>
+                <a:latin typeface="Calibri" panose="020F0502020204030204" pitchFamily="34" charset="0"/>
+                <a:ea typeface="Calibri" panose="020F0502020204030204" pitchFamily="34" charset="0"/>
+                <a:cs typeface="Times New Roman" panose="02020603050405020304" pitchFamily="18" charset="0"/>
+              </a:rPr>
+              <a:t>La coordinación por fuera del equipo es una responsabilidad compartida, no hay coordinadores asignados</a:t>
+            </a:r>
+          </a:p>
+          <a:p>
+            <a:pPr marL="342900" lvl="0" indent="-342900">
+              <a:lnSpc>
+                <a:spcPct val="107000"/>
+              </a:lnSpc>
+              <a:spcAft>
+                <a:spcPts val="800"/>
+              </a:spcAft>
+              <a:buFont typeface="Symbol" panose="05050102010706020507" pitchFamily="18" charset="2"/>
+              <a:buChar char=""/>
+            </a:pPr>
+            <a:r>
+              <a:rPr lang="es-ES" sz="1800" dirty="0">
+                <a:effectLst/>
+                <a:latin typeface="Calibri" panose="020F0502020204030204" pitchFamily="34" charset="0"/>
+                <a:ea typeface="Calibri" panose="020F0502020204030204" pitchFamily="34" charset="0"/>
+                <a:cs typeface="Times New Roman" panose="02020603050405020304" pitchFamily="18" charset="0"/>
+              </a:rPr>
+              <a:t>En la mitad del sprint, los equipos hacen una breve pausa para el refinamiento del Product Backlog. Con la colaboración con clientes y usuarios</a:t>
+            </a:r>
+          </a:p>
+          <a:p>
+            <a:pPr>
+              <a:lnSpc>
+                <a:spcPct val="107000"/>
+              </a:lnSpc>
+              <a:spcAft>
+                <a:spcPts val="800"/>
+              </a:spcAft>
+            </a:pPr>
+            <a:r>
+              <a:rPr lang="es-ES" sz="1800" dirty="0">
+                <a:effectLst/>
+                <a:latin typeface="Calibri" panose="020F0502020204030204" pitchFamily="34" charset="0"/>
+                <a:ea typeface="Calibri" panose="020F0502020204030204" pitchFamily="34" charset="0"/>
+                <a:cs typeface="Times New Roman" panose="02020603050405020304" pitchFamily="18" charset="0"/>
+              </a:rPr>
+              <a:t>REGLA: Toda la priorización pasa por el Propietario del producto, pero la aclaración es tanto como sea posible directamente entre los Equipos y los clientes / usuarios y otras partes interesadas</a:t>
+            </a:r>
+          </a:p>
+          <a:p>
+            <a:pPr marL="342900" lvl="0" indent="-342900">
+              <a:lnSpc>
+                <a:spcPct val="107000"/>
+              </a:lnSpc>
+              <a:spcAft>
+                <a:spcPts val="800"/>
+              </a:spcAft>
+              <a:buFont typeface="Symbol" panose="05050102010706020507" pitchFamily="18" charset="2"/>
+              <a:buChar char=""/>
+            </a:pPr>
+            <a:r>
+              <a:rPr lang="es-ES" sz="1800" dirty="0">
+                <a:effectLst/>
+                <a:latin typeface="Calibri" panose="020F0502020204030204" pitchFamily="34" charset="0"/>
+                <a:ea typeface="Calibri" panose="020F0502020204030204" pitchFamily="34" charset="0"/>
+                <a:cs typeface="Times New Roman" panose="02020603050405020304" pitchFamily="18" charset="0"/>
+              </a:rPr>
+              <a:t>Al conectar equipos con clientes, liberamos al Product Owner para que trabaje sobre la visión y la prioridad.</a:t>
+            </a:r>
+          </a:p>
+          <a:p>
+            <a:pPr marL="228600">
+              <a:lnSpc>
+                <a:spcPct val="107000"/>
+              </a:lnSpc>
+              <a:spcAft>
+                <a:spcPts val="800"/>
+              </a:spcAft>
+            </a:pPr>
+            <a:endParaRPr lang="es-ES" sz="1800" dirty="0">
+              <a:effectLst/>
+              <a:latin typeface="Calibri" panose="020F0502020204030204" pitchFamily="34" charset="0"/>
+              <a:ea typeface="Calibri" panose="020F0502020204030204" pitchFamily="34" charset="0"/>
+              <a:cs typeface="Times New Roman" panose="02020603050405020304" pitchFamily="18" charset="0"/>
+            </a:endParaRPr>
+          </a:p>
+          <a:p>
+            <a:endParaRPr lang="es-ES" dirty="0"/>
+          </a:p>
+        </p:txBody>
+      </p:sp>
+      <p:sp>
+        <p:nvSpPr>
+          <p:cNvPr id="4" name="Marcador de número de diapositiva 3"/>
+          <p:cNvSpPr>
+            <a:spLocks noGrp="1"/>
+          </p:cNvSpPr>
+          <p:nvPr>
+            <p:ph type="sldNum" sz="quarter" idx="5"/>
+          </p:nvPr>
+        </p:nvSpPr>
+        <p:spPr/>
+        <p:txBody>
+          <a:bodyPr/>
+          <a:lstStyle/>
+          <a:p>
+            <a:fld id="{EDBCE6EF-E99C-4113-ACC7-C24092A3882D}" type="slidenum">
+              <a:rPr lang="es-ES" smtClean="0"/>
+              <a:t>7</a:t>
+            </a:fld>
+            <a:endParaRPr lang="es-ES"/>
+          </a:p>
+        </p:txBody>
+      </p:sp>
+    </p:spTree>
+    <p:extLst>
+      <p:ext uri="{BB962C8B-B14F-4D97-AF65-F5344CB8AC3E}">
+        <p14:creationId xmlns:p14="http://schemas.microsoft.com/office/powerpoint/2010/main" val="1331434050"/>
+      </p:ext>
+    </p:extLst>
+  </p:cSld>
+  <p:clrMapOvr>
+    <a:masterClrMapping/>
+  </p:clrMapOvr>
+</p:notes>
+</file>
+
+<file path=ppt/notesSlides/notesSlide5.xml><?xml version="1.0" encoding="utf-8"?>
+<p:notes xmlns:a="http://schemas.openxmlformats.org/drawingml/2006/main" xmlns:r="http://schemas.openxmlformats.org/officeDocument/2006/relationships" xmlns:p="http://schemas.openxmlformats.org/presentationml/2006/main">
+  <p:cSld>
+    <p:spTree>
+      <p:nvGrpSpPr>
+        <p:cNvPr id="1" name=""/>
+        <p:cNvGrpSpPr/>
+        <p:nvPr/>
+      </p:nvGrpSpPr>
+      <p:grpSpPr>
+        <a:xfrm>
+          <a:off x="0" y="0"/>
+          <a:ext cx="0" cy="0"/>
+          <a:chOff x="0" y="0"/>
+          <a:chExt cx="0" cy="0"/>
+        </a:xfrm>
+      </p:grpSpPr>
+      <p:sp>
+        <p:nvSpPr>
+          <p:cNvPr id="2" name="Marcador de imagen de diapositiva 1"/>
+          <p:cNvSpPr>
+            <a:spLocks noGrp="1" noRot="1" noChangeAspect="1"/>
+          </p:cNvSpPr>
+          <p:nvPr>
+            <p:ph type="sldImg"/>
+          </p:nvPr>
+        </p:nvSpPr>
+        <p:spPr/>
+      </p:sp>
+      <p:sp>
+        <p:nvSpPr>
+          <p:cNvPr id="3" name="Marcador de notas 2"/>
+          <p:cNvSpPr>
+            <a:spLocks noGrp="1"/>
+          </p:cNvSpPr>
+          <p:nvPr>
+            <p:ph type="body" idx="1"/>
+          </p:nvPr>
+        </p:nvSpPr>
+        <p:spPr/>
+        <p:txBody>
+          <a:bodyPr/>
+          <a:lstStyle/>
+          <a:p>
+            <a:pPr marL="342900" lvl="0" indent="-342900">
+              <a:lnSpc>
+                <a:spcPct val="107000"/>
+              </a:lnSpc>
+              <a:buFont typeface="Symbol" panose="05050102010706020507" pitchFamily="18" charset="2"/>
+              <a:buChar char=""/>
+            </a:pPr>
+            <a:r>
+              <a:rPr lang="es-ES" sz="1800" dirty="0">
+                <a:effectLst/>
+                <a:latin typeface="Calibri" panose="020F0502020204030204" pitchFamily="34" charset="0"/>
+                <a:ea typeface="Calibri" panose="020F0502020204030204" pitchFamily="34" charset="0"/>
+                <a:cs typeface="Times New Roman" panose="02020603050405020304" pitchFamily="18" charset="0"/>
+              </a:rPr>
+              <a:t>Existe un evento de Sprint Review compartida donde los equipos y clientes exploran lo realizado.</a:t>
+            </a:r>
+          </a:p>
+          <a:p>
+            <a:pPr marL="342900" lvl="0" indent="-342900">
+              <a:lnSpc>
+                <a:spcPct val="107000"/>
+              </a:lnSpc>
+              <a:buFont typeface="Symbol" panose="05050102010706020507" pitchFamily="18" charset="2"/>
+              <a:buChar char=""/>
+            </a:pPr>
+            <a:r>
+              <a:rPr lang="es-ES" sz="1800" dirty="0">
+                <a:effectLst/>
+                <a:latin typeface="Calibri" panose="020F0502020204030204" pitchFamily="34" charset="0"/>
+                <a:ea typeface="Calibri" panose="020F0502020204030204" pitchFamily="34" charset="0"/>
+                <a:cs typeface="Times New Roman" panose="02020603050405020304" pitchFamily="18" charset="0"/>
+              </a:rPr>
+              <a:t>Cada equipo hace una retrospectiva para inspeccionar y adaptar su propia forma de trabajar.  Cada equipo debe ser duelo de sus métodos y procesos</a:t>
+            </a:r>
+          </a:p>
+          <a:p>
+            <a:pPr marL="342900" lvl="0" indent="-342900">
+              <a:lnSpc>
+                <a:spcPct val="107000"/>
+              </a:lnSpc>
+              <a:spcAft>
+                <a:spcPts val="800"/>
+              </a:spcAft>
+              <a:buFont typeface="Symbol" panose="05050102010706020507" pitchFamily="18" charset="2"/>
+              <a:buChar char=""/>
+            </a:pPr>
+            <a:r>
+              <a:rPr lang="es-ES" sz="1800" dirty="0">
+                <a:effectLst/>
+                <a:latin typeface="Calibri" panose="020F0502020204030204" pitchFamily="34" charset="0"/>
+                <a:ea typeface="Calibri" panose="020F0502020204030204" pitchFamily="34" charset="0"/>
+                <a:cs typeface="Times New Roman" panose="02020603050405020304" pitchFamily="18" charset="0"/>
+              </a:rPr>
+              <a:t>Los equipos, Product Owner, Scrum Masters y los gerentes realizan una retrospectiva general para explorar los obstáculos sistémicos y organizacionales. Inspeccionan y adaptan la organización entera. </a:t>
+            </a:r>
+          </a:p>
+          <a:p>
+            <a:pPr>
+              <a:lnSpc>
+                <a:spcPct val="107000"/>
+              </a:lnSpc>
+              <a:spcAft>
+                <a:spcPts val="800"/>
+              </a:spcAft>
+            </a:pPr>
+            <a:r>
+              <a:rPr lang="es-ES" sz="1800" dirty="0">
+                <a:effectLst/>
+                <a:latin typeface="Calibri" panose="020F0502020204030204" pitchFamily="34" charset="0"/>
+                <a:ea typeface="Calibri" panose="020F0502020204030204" pitchFamily="34" charset="0"/>
+                <a:cs typeface="Times New Roman" panose="02020603050405020304" pitchFamily="18" charset="0"/>
+              </a:rPr>
+              <a:t>REGLA: Se lleva a cabo una retrospectiva general después de las retrospectivas del equipo para discutir problemas entre equipos y todo el sistema, y para crear experimentos de mejora</a:t>
+            </a:r>
+          </a:p>
+          <a:p>
+            <a:pPr>
+              <a:lnSpc>
+                <a:spcPct val="107000"/>
+              </a:lnSpc>
+              <a:spcAft>
+                <a:spcPts val="800"/>
+              </a:spcAft>
+            </a:pPr>
+            <a:r>
+              <a:rPr lang="es-ES" sz="1800" dirty="0">
+                <a:effectLst/>
+                <a:latin typeface="Calibri" panose="020F0502020204030204" pitchFamily="34" charset="0"/>
+                <a:ea typeface="Calibri" panose="020F0502020204030204" pitchFamily="34" charset="0"/>
+                <a:cs typeface="Times New Roman" panose="02020603050405020304" pitchFamily="18" charset="0"/>
+              </a:rPr>
+              <a:t>REGLA: Hay un producto Sprint Review; es común para todos los equipo</a:t>
+            </a:r>
+          </a:p>
+          <a:p>
+            <a:endParaRPr lang="es-ES" dirty="0"/>
+          </a:p>
+        </p:txBody>
+      </p:sp>
+      <p:sp>
+        <p:nvSpPr>
+          <p:cNvPr id="4" name="Marcador de número de diapositiva 3"/>
+          <p:cNvSpPr>
+            <a:spLocks noGrp="1"/>
+          </p:cNvSpPr>
+          <p:nvPr>
+            <p:ph type="sldNum" sz="quarter" idx="5"/>
+          </p:nvPr>
+        </p:nvSpPr>
+        <p:spPr/>
+        <p:txBody>
+          <a:bodyPr/>
+          <a:lstStyle/>
+          <a:p>
+            <a:fld id="{EDBCE6EF-E99C-4113-ACC7-C24092A3882D}" type="slidenum">
+              <a:rPr lang="es-ES" smtClean="0"/>
+              <a:t>8</a:t>
+            </a:fld>
+            <a:endParaRPr lang="es-ES"/>
+          </a:p>
+        </p:txBody>
+      </p:sp>
+    </p:spTree>
+    <p:extLst>
+      <p:ext uri="{BB962C8B-B14F-4D97-AF65-F5344CB8AC3E}">
+        <p14:creationId xmlns:p14="http://schemas.microsoft.com/office/powerpoint/2010/main" val="3978130081"/>
+      </p:ext>
+    </p:extLst>
+  </p:cSld>
+  <p:clrMapOvr>
+    <a:masterClrMapping/>
+  </p:clrMapOvr>
+</p:notes>
+</file>
+
+<file path=ppt/notesSlides/notesSlide6.xml><?xml version="1.0" encoding="utf-8"?>
+<p:notes xmlns:a="http://schemas.openxmlformats.org/drawingml/2006/main" xmlns:r="http://schemas.openxmlformats.org/officeDocument/2006/relationships" xmlns:p="http://schemas.openxmlformats.org/presentationml/2006/main">
+  <p:cSld>
+    <p:spTree>
+      <p:nvGrpSpPr>
+        <p:cNvPr id="1" name=""/>
+        <p:cNvGrpSpPr/>
+        <p:nvPr/>
+      </p:nvGrpSpPr>
+      <p:grpSpPr>
+        <a:xfrm>
+          <a:off x="0" y="0"/>
+          <a:ext cx="0" cy="0"/>
+          <a:chOff x="0" y="0"/>
+          <a:chExt cx="0" cy="0"/>
+        </a:xfrm>
+      </p:grpSpPr>
+      <p:sp>
+        <p:nvSpPr>
+          <p:cNvPr id="2" name="Marcador de imagen de diapositiva 1"/>
+          <p:cNvSpPr>
+            <a:spLocks noGrp="1" noRot="1" noChangeAspect="1"/>
+          </p:cNvSpPr>
+          <p:nvPr>
+            <p:ph type="sldImg"/>
+          </p:nvPr>
+        </p:nvSpPr>
+        <p:spPr/>
+      </p:sp>
+      <p:sp>
+        <p:nvSpPr>
+          <p:cNvPr id="3" name="Marcador de notas 2"/>
+          <p:cNvSpPr>
+            <a:spLocks noGrp="1"/>
+          </p:cNvSpPr>
+          <p:nvPr>
+            <p:ph type="body" idx="1"/>
+          </p:nvPr>
+        </p:nvSpPr>
+        <p:spPr/>
+        <p:txBody>
+          <a:bodyPr/>
+          <a:lstStyle/>
+          <a:p>
+            <a:pPr marL="342900" lvl="0" indent="-342900">
+              <a:lnSpc>
+                <a:spcPct val="107000"/>
+              </a:lnSpc>
+              <a:buFont typeface="Symbol" panose="05050102010706020507" pitchFamily="18" charset="2"/>
+              <a:buChar char=""/>
+            </a:pPr>
+            <a:r>
+              <a:rPr lang="es-ES" sz="1800" dirty="0">
+                <a:effectLst/>
+                <a:latin typeface="Calibri" panose="020F0502020204030204" pitchFamily="34" charset="0"/>
+                <a:ea typeface="Calibri" panose="020F0502020204030204" pitchFamily="34" charset="0"/>
+                <a:cs typeface="Times New Roman" panose="02020603050405020304" pitchFamily="18" charset="0"/>
+              </a:rPr>
+              <a:t>Las organizaciones deben cambiar para que LESS funcione </a:t>
+            </a:r>
+          </a:p>
+          <a:p>
+            <a:pPr marL="342900" lvl="0" indent="-342900">
+              <a:lnSpc>
+                <a:spcPct val="107000"/>
+              </a:lnSpc>
+              <a:buFont typeface="Symbol" panose="05050102010706020507" pitchFamily="18" charset="2"/>
+              <a:buChar char=""/>
+            </a:pPr>
+            <a:r>
+              <a:rPr lang="es-ES" sz="1800" dirty="0">
+                <a:effectLst/>
+                <a:latin typeface="Calibri" panose="020F0502020204030204" pitchFamily="34" charset="0"/>
+                <a:ea typeface="Calibri" panose="020F0502020204030204" pitchFamily="34" charset="0"/>
+                <a:cs typeface="Times New Roman" panose="02020603050405020304" pitchFamily="18" charset="0"/>
+              </a:rPr>
+              <a:t>Adoptar LeSS puede llevar años de deprenderse de las reglas, procesos, estructuras y hábitos</a:t>
+            </a:r>
+          </a:p>
+          <a:p>
+            <a:pPr marL="342900" lvl="0" indent="-342900">
+              <a:lnSpc>
+                <a:spcPct val="107000"/>
+              </a:lnSpc>
+              <a:buFont typeface="Symbol" panose="05050102010706020507" pitchFamily="18" charset="2"/>
+              <a:buChar char=""/>
+            </a:pPr>
+            <a:r>
+              <a:rPr lang="es-ES" sz="1800" dirty="0">
+                <a:effectLst/>
+                <a:latin typeface="Calibri" panose="020F0502020204030204" pitchFamily="34" charset="0"/>
+                <a:ea typeface="Calibri" panose="020F0502020204030204" pitchFamily="34" charset="0"/>
+                <a:cs typeface="Times New Roman" panose="02020603050405020304" pitchFamily="18" charset="0"/>
+              </a:rPr>
+              <a:t>Las pocas reglas que implican LeSS tienen un gran impacto.  Ya que no son simples cambios de procesos, o agregar roles a la estructura organizacional. Sino que van más allá. </a:t>
+            </a:r>
+          </a:p>
+          <a:p>
+            <a:pPr marL="342900" lvl="0" indent="-342900">
+              <a:lnSpc>
+                <a:spcPct val="107000"/>
+              </a:lnSpc>
+              <a:buFont typeface="Symbol" panose="05050102010706020507" pitchFamily="18" charset="2"/>
+              <a:buChar char=""/>
+            </a:pPr>
+            <a:r>
+              <a:rPr lang="es-ES" sz="1800" dirty="0">
+                <a:effectLst/>
+                <a:latin typeface="Calibri" panose="020F0502020204030204" pitchFamily="34" charset="0"/>
+                <a:ea typeface="Calibri" panose="020F0502020204030204" pitchFamily="34" charset="0"/>
+                <a:cs typeface="Times New Roman" panose="02020603050405020304" pitchFamily="18" charset="0"/>
+              </a:rPr>
+              <a:t>Menos es más</a:t>
+            </a:r>
+          </a:p>
+          <a:p>
+            <a:pPr marL="342900" lvl="0" indent="-342900">
+              <a:lnSpc>
+                <a:spcPct val="107000"/>
+              </a:lnSpc>
+              <a:spcAft>
+                <a:spcPts val="800"/>
+              </a:spcAft>
+              <a:buFont typeface="Symbol" panose="05050102010706020507" pitchFamily="18" charset="2"/>
+              <a:buChar char=""/>
+            </a:pPr>
+            <a:r>
+              <a:rPr lang="es-ES" sz="1800" dirty="0">
+                <a:effectLst/>
+                <a:latin typeface="Calibri" panose="020F0502020204030204" pitchFamily="34" charset="0"/>
+                <a:ea typeface="Calibri" panose="020F0502020204030204" pitchFamily="34" charset="0"/>
+                <a:cs typeface="Times New Roman" panose="02020603050405020304" pitchFamily="18" charset="0"/>
+              </a:rPr>
+              <a:t>Scrum Masters y Gerentes ayudan a los equipos a aprender</a:t>
+            </a:r>
+          </a:p>
+          <a:p>
+            <a:endParaRPr lang="es-ES" dirty="0"/>
+          </a:p>
+        </p:txBody>
+      </p:sp>
+      <p:sp>
+        <p:nvSpPr>
+          <p:cNvPr id="4" name="Marcador de número de diapositiva 3"/>
+          <p:cNvSpPr>
+            <a:spLocks noGrp="1"/>
+          </p:cNvSpPr>
+          <p:nvPr>
+            <p:ph type="sldNum" sz="quarter" idx="5"/>
+          </p:nvPr>
+        </p:nvSpPr>
+        <p:spPr/>
+        <p:txBody>
+          <a:bodyPr/>
+          <a:lstStyle/>
+          <a:p>
+            <a:fld id="{EDBCE6EF-E99C-4113-ACC7-C24092A3882D}" type="slidenum">
+              <a:rPr lang="es-ES" smtClean="0"/>
+              <a:t>9</a:t>
+            </a:fld>
+            <a:endParaRPr lang="es-ES"/>
+          </a:p>
+        </p:txBody>
+      </p:sp>
+    </p:spTree>
+    <p:extLst>
+      <p:ext uri="{BB962C8B-B14F-4D97-AF65-F5344CB8AC3E}">
+        <p14:creationId xmlns:p14="http://schemas.microsoft.com/office/powerpoint/2010/main" val="61285381"/>
+      </p:ext>
+    </p:extLst>
+  </p:cSld>
+  <p:clrMapOvr>
+    <a:masterClrMapping/>
+  </p:clrMapOvr>
+</p:notes>
 </file>
 
 <file path=ppt/slideLayouts/slideLayout1.xml><?xml version="1.0" encoding="utf-8"?>
@@ -261,7 +2544,7 @@
           <a:p>
             <a:fld id="{43C7D363-8620-45B2-B7A6-D21C798660E7}" type="datetimeFigureOut">
               <a:rPr lang="es-ES" smtClean="0"/>
-              <a:t>11/05/2022</a:t>
+              <a:t>12/05/2022</a:t>
             </a:fld>
             <a:endParaRPr lang="es-ES"/>
           </a:p>
@@ -459,7 +2742,7 @@
           <a:p>
             <a:fld id="{43C7D363-8620-45B2-B7A6-D21C798660E7}" type="datetimeFigureOut">
               <a:rPr lang="es-ES" smtClean="0"/>
-              <a:t>11/05/2022</a:t>
+              <a:t>12/05/2022</a:t>
             </a:fld>
             <a:endParaRPr lang="es-ES"/>
           </a:p>
@@ -667,7 +2950,7 @@
           <a:p>
             <a:fld id="{43C7D363-8620-45B2-B7A6-D21C798660E7}" type="datetimeFigureOut">
               <a:rPr lang="es-ES" smtClean="0"/>
-              <a:t>11/05/2022</a:t>
+              <a:t>12/05/2022</a:t>
             </a:fld>
             <a:endParaRPr lang="es-ES"/>
           </a:p>
@@ -865,7 +3148,7 @@
           <a:p>
             <a:fld id="{43C7D363-8620-45B2-B7A6-D21C798660E7}" type="datetimeFigureOut">
               <a:rPr lang="es-ES" smtClean="0"/>
-              <a:t>11/05/2022</a:t>
+              <a:t>12/05/2022</a:t>
             </a:fld>
             <a:endParaRPr lang="es-ES"/>
           </a:p>
@@ -1140,7 +3423,7 @@
           <a:p>
             <a:fld id="{43C7D363-8620-45B2-B7A6-D21C798660E7}" type="datetimeFigureOut">
               <a:rPr lang="es-ES" smtClean="0"/>
-              <a:t>11/05/2022</a:t>
+              <a:t>12/05/2022</a:t>
             </a:fld>
             <a:endParaRPr lang="es-ES"/>
           </a:p>
@@ -1405,7 +3688,7 @@
           <a:p>
             <a:fld id="{43C7D363-8620-45B2-B7A6-D21C798660E7}" type="datetimeFigureOut">
               <a:rPr lang="es-ES" smtClean="0"/>
-              <a:t>11/05/2022</a:t>
+              <a:t>12/05/2022</a:t>
             </a:fld>
             <a:endParaRPr lang="es-ES"/>
           </a:p>
@@ -1817,7 +4100,7 @@
           <a:p>
             <a:fld id="{43C7D363-8620-45B2-B7A6-D21C798660E7}" type="datetimeFigureOut">
               <a:rPr lang="es-ES" smtClean="0"/>
-              <a:t>11/05/2022</a:t>
+              <a:t>12/05/2022</a:t>
             </a:fld>
             <a:endParaRPr lang="es-ES"/>
           </a:p>
@@ -1958,7 +4241,7 @@
           <a:p>
             <a:fld id="{43C7D363-8620-45B2-B7A6-D21C798660E7}" type="datetimeFigureOut">
               <a:rPr lang="es-ES" smtClean="0"/>
-              <a:t>11/05/2022</a:t>
+              <a:t>12/05/2022</a:t>
             </a:fld>
             <a:endParaRPr lang="es-ES"/>
           </a:p>
@@ -2071,7 +4354,7 @@
           <a:p>
             <a:fld id="{43C7D363-8620-45B2-B7A6-D21C798660E7}" type="datetimeFigureOut">
               <a:rPr lang="es-ES" smtClean="0"/>
-              <a:t>11/05/2022</a:t>
+              <a:t>12/05/2022</a:t>
             </a:fld>
             <a:endParaRPr lang="es-ES"/>
           </a:p>
@@ -2382,7 +4665,7 @@
           <a:p>
             <a:fld id="{43C7D363-8620-45B2-B7A6-D21C798660E7}" type="datetimeFigureOut">
               <a:rPr lang="es-ES" smtClean="0"/>
-              <a:t>11/05/2022</a:t>
+              <a:t>12/05/2022</a:t>
             </a:fld>
             <a:endParaRPr lang="es-ES"/>
           </a:p>
@@ -2670,7 +4953,7 @@
           <a:p>
             <a:fld id="{43C7D363-8620-45B2-B7A6-D21C798660E7}" type="datetimeFigureOut">
               <a:rPr lang="es-ES" smtClean="0"/>
-              <a:t>11/05/2022</a:t>
+              <a:t>12/05/2022</a:t>
             </a:fld>
             <a:endParaRPr lang="es-ES"/>
           </a:p>
@@ -2911,7 +5194,7 @@
           <a:p>
             <a:fld id="{43C7D363-8620-45B2-B7A6-D21C798660E7}" type="datetimeFigureOut">
               <a:rPr lang="es-ES" smtClean="0"/>
-              <a:t>11/05/2022</a:t>
+              <a:t>12/05/2022</a:t>
             </a:fld>
             <a:endParaRPr lang="es-ES"/>
           </a:p>
@@ -3500,6 +5783,89 @@
 </p:sld>
 </file>
 
+<file path=ppt/slides/slide10.xml><?xml version="1.0" encoding="utf-8"?>
+<p:sld xmlns:a="http://schemas.openxmlformats.org/drawingml/2006/main" xmlns:r="http://schemas.openxmlformats.org/officeDocument/2006/relationships" xmlns:p="http://schemas.openxmlformats.org/presentationml/2006/main">
+  <p:cSld>
+    <p:spTree>
+      <p:nvGrpSpPr>
+        <p:cNvPr id="1" name=""/>
+        <p:cNvGrpSpPr/>
+        <p:nvPr/>
+      </p:nvGrpSpPr>
+      <p:grpSpPr>
+        <a:xfrm>
+          <a:off x="0" y="0"/>
+          <a:ext cx="0" cy="0"/>
+          <a:chOff x="0" y="0"/>
+          <a:chExt cx="0" cy="0"/>
+        </a:xfrm>
+      </p:grpSpPr>
+      <p:sp>
+        <p:nvSpPr>
+          <p:cNvPr id="2" name="Título 1">
+            <a:extLst>
+              <a:ext uri="{FF2B5EF4-FFF2-40B4-BE49-F238E27FC236}">
+                <a16:creationId xmlns:a16="http://schemas.microsoft.com/office/drawing/2014/main" id="{19A629EC-8EF2-D3BA-326D-1357199481DE}"/>
+              </a:ext>
+            </a:extLst>
+          </p:cNvPr>
+          <p:cNvSpPr>
+            <a:spLocks noGrp="1"/>
+          </p:cNvSpPr>
+          <p:nvPr>
+            <p:ph type="title"/>
+          </p:nvPr>
+        </p:nvSpPr>
+        <p:spPr/>
+        <p:txBody>
+          <a:bodyPr/>
+          <a:lstStyle/>
+          <a:p>
+            <a:r>
+              <a:rPr lang="es-ES" dirty="0"/>
+              <a:t>Conclusiones</a:t>
+            </a:r>
+          </a:p>
+        </p:txBody>
+      </p:sp>
+      <p:sp>
+        <p:nvSpPr>
+          <p:cNvPr id="3" name="Marcador de contenido 2">
+            <a:extLst>
+              <a:ext uri="{FF2B5EF4-FFF2-40B4-BE49-F238E27FC236}">
+                <a16:creationId xmlns:a16="http://schemas.microsoft.com/office/drawing/2014/main" id="{C177CFAD-BA4C-89A9-89C3-853A2A844338}"/>
+              </a:ext>
+            </a:extLst>
+          </p:cNvPr>
+          <p:cNvSpPr>
+            <a:spLocks noGrp="1"/>
+          </p:cNvSpPr>
+          <p:nvPr>
+            <p:ph idx="1"/>
+          </p:nvPr>
+        </p:nvSpPr>
+        <p:spPr/>
+        <p:txBody>
+          <a:bodyPr/>
+          <a:lstStyle/>
+          <a:p>
+            <a:endParaRPr lang="es-ES"/>
+          </a:p>
+        </p:txBody>
+      </p:sp>
+    </p:spTree>
+    <p:extLst>
+      <p:ext uri="{BB962C8B-B14F-4D97-AF65-F5344CB8AC3E}">
+        <p14:creationId xmlns:p14="http://schemas.microsoft.com/office/powerpoint/2010/main" val="3778434749"/>
+      </p:ext>
+    </p:extLst>
+  </p:cSld>
+  <p:clrMapOvr>
+    <a:masterClrMapping/>
+  </p:clrMapOvr>
+</p:sld>
+</file>
+
 <file path=ppt/slides/slide2.xml><?xml version="1.0" encoding="utf-8"?>
 <p:sld xmlns:a="http://schemas.openxmlformats.org/drawingml/2006/main" xmlns:r="http://schemas.openxmlformats.org/officeDocument/2006/relationships" xmlns:p="http://schemas.openxmlformats.org/presentationml/2006/main">
   <p:cSld>
@@ -3519,50 +5885,414 @@
       </p:grpSpPr>
       <p:sp>
         <p:nvSpPr>
-          <p:cNvPr id="2" name="Título 1">
-            <a:extLst>
-              <a:ext uri="{FF2B5EF4-FFF2-40B4-BE49-F238E27FC236}">
-                <a16:creationId xmlns:a16="http://schemas.microsoft.com/office/drawing/2014/main" id="{95817174-2D5B-C8E1-2280-6D261861BCE3}"/>
-              </a:ext>
-            </a:extLst>
-          </p:cNvPr>
-          <p:cNvSpPr>
-            <a:spLocks noGrp="1"/>
-          </p:cNvSpPr>
-          <p:nvPr>
-            <p:ph type="title"/>
-          </p:nvPr>
-        </p:nvSpPr>
-        <p:spPr/>
+          <p:cNvPr id="3" name="Marcador de contenido 2">
+            <a:extLst>
+              <a:ext uri="{FF2B5EF4-FFF2-40B4-BE49-F238E27FC236}">
+                <a16:creationId xmlns:a16="http://schemas.microsoft.com/office/drawing/2014/main" id="{E18A80E2-D4A2-104C-C5B5-C6952CD4F442}"/>
+              </a:ext>
+            </a:extLst>
+          </p:cNvPr>
+          <p:cNvSpPr>
+            <a:spLocks noGrp="1"/>
+          </p:cNvSpPr>
+          <p:nvPr>
+            <p:ph idx="1"/>
+          </p:nvPr>
+        </p:nvSpPr>
+        <p:spPr>
+          <a:xfrm>
+            <a:off x="838200" y="966643"/>
+            <a:ext cx="5257800" cy="4351338"/>
+          </a:xfrm>
+        </p:spPr>
         <p:txBody>
           <a:bodyPr/>
           <a:lstStyle/>
           <a:p>
-            <a:endParaRPr lang="es-ES"/>
-          </a:p>
-        </p:txBody>
-      </p:sp>
-      <p:sp>
-        <p:nvSpPr>
-          <p:cNvPr id="3" name="Marcador de contenido 2">
-            <a:extLst>
-              <a:ext uri="{FF2B5EF4-FFF2-40B4-BE49-F238E27FC236}">
-                <a16:creationId xmlns:a16="http://schemas.microsoft.com/office/drawing/2014/main" id="{E18A80E2-D4A2-104C-C5B5-C6952CD4F442}"/>
-              </a:ext>
-            </a:extLst>
-          </p:cNvPr>
-          <p:cNvSpPr>
-            <a:spLocks noGrp="1"/>
-          </p:cNvSpPr>
-          <p:nvPr>
-            <p:ph idx="1"/>
-          </p:nvPr>
-        </p:nvSpPr>
-        <p:spPr/>
-        <p:txBody>
-          <a:bodyPr/>
-          <a:lstStyle/>
-          <a:p>
+            <a:pPr marL="0" indent="0">
+              <a:buNone/>
+            </a:pPr>
+            <a:r>
+              <a:rPr lang="es-ES" sz="1800" dirty="0">
+                <a:effectLst/>
+                <a:latin typeface="Calibri" panose="020F0502020204030204" pitchFamily="34" charset="0"/>
+                <a:ea typeface="Calibri" panose="020F0502020204030204" pitchFamily="34" charset="0"/>
+                <a:cs typeface="Times New Roman" panose="02020603050405020304" pitchFamily="18" charset="0"/>
+              </a:rPr>
+              <a:t>¿Qué es lo bueno del desarrolla a pequeña escala?</a:t>
+            </a:r>
+          </a:p>
+          <a:p>
+            <a:pPr>
+              <a:lnSpc>
+                <a:spcPct val="107000"/>
+              </a:lnSpc>
+            </a:pPr>
+            <a:r>
+              <a:rPr lang="es-ES" sz="1800" dirty="0">
+                <a:effectLst/>
+                <a:latin typeface="Calibri" panose="020F0502020204030204" pitchFamily="34" charset="0"/>
+                <a:ea typeface="Calibri" panose="020F0502020204030204" pitchFamily="34" charset="0"/>
+                <a:cs typeface="Times New Roman" panose="02020603050405020304" pitchFamily="18" charset="0"/>
+              </a:rPr>
+              <a:t>Nuestro enfoque está centrado en el cliente</a:t>
+            </a:r>
+          </a:p>
+          <a:p>
+            <a:pPr>
+              <a:lnSpc>
+                <a:spcPct val="107000"/>
+              </a:lnSpc>
+            </a:pPr>
+            <a:r>
+              <a:rPr lang="es-ES" sz="1800" dirty="0">
+                <a:effectLst/>
+                <a:latin typeface="Calibri" panose="020F0502020204030204" pitchFamily="34" charset="0"/>
+                <a:ea typeface="Calibri" panose="020F0502020204030204" pitchFamily="34" charset="0"/>
+                <a:cs typeface="Times New Roman" panose="02020603050405020304" pitchFamily="18" charset="0"/>
+              </a:rPr>
+              <a:t>Veíamos el producto completo a la vez</a:t>
+            </a:r>
+          </a:p>
+          <a:p>
+            <a:pPr>
+              <a:lnSpc>
+                <a:spcPct val="107000"/>
+              </a:lnSpc>
+            </a:pPr>
+            <a:r>
+              <a:rPr lang="es-ES" sz="1800" dirty="0">
+                <a:effectLst/>
+                <a:latin typeface="Calibri" panose="020F0502020204030204" pitchFamily="34" charset="0"/>
+                <a:ea typeface="Calibri" panose="020F0502020204030204" pitchFamily="34" charset="0"/>
+                <a:cs typeface="Times New Roman" panose="02020603050405020304" pitchFamily="18" charset="0"/>
+              </a:rPr>
+              <a:t>Teníamos un proceso mínimo </a:t>
+            </a:r>
+          </a:p>
+          <a:p>
+            <a:pPr>
+              <a:lnSpc>
+                <a:spcPct val="107000"/>
+              </a:lnSpc>
+              <a:spcAft>
+                <a:spcPts val="800"/>
+              </a:spcAft>
+            </a:pPr>
+            <a:r>
+              <a:rPr lang="es-ES" sz="1800" dirty="0">
+                <a:effectLst/>
+                <a:latin typeface="Calibri" panose="020F0502020204030204" pitchFamily="34" charset="0"/>
+                <a:ea typeface="Calibri" panose="020F0502020204030204" pitchFamily="34" charset="0"/>
+                <a:cs typeface="Times New Roman" panose="02020603050405020304" pitchFamily="18" charset="0"/>
+              </a:rPr>
+              <a:t>Validamos en con frecuencia el producto y nuestra forma de trabajar</a:t>
+            </a:r>
+          </a:p>
+          <a:p>
+            <a:pPr marL="0" indent="0">
+              <a:buNone/>
+            </a:pPr>
+            <a:endParaRPr lang="es-ES" dirty="0"/>
+          </a:p>
+        </p:txBody>
+      </p:sp>
+      <p:sp>
+        <p:nvSpPr>
+          <p:cNvPr id="4" name="Marcador de contenido 2">
+            <a:extLst>
+              <a:ext uri="{FF2B5EF4-FFF2-40B4-BE49-F238E27FC236}">
+                <a16:creationId xmlns:a16="http://schemas.microsoft.com/office/drawing/2014/main" id="{30A52B95-3300-F8EA-2DEC-7E4D4D1B4A51}"/>
+              </a:ext>
+            </a:extLst>
+          </p:cNvPr>
+          <p:cNvSpPr txBox="1">
+            <a:spLocks/>
+          </p:cNvSpPr>
+          <p:nvPr/>
+        </p:nvSpPr>
+        <p:spPr>
+          <a:xfrm>
+            <a:off x="6310745" y="966643"/>
+            <a:ext cx="5257800" cy="4351338"/>
+          </a:xfrm>
+          <a:prstGeom prst="rect">
+            <a:avLst/>
+          </a:prstGeom>
+        </p:spPr>
+        <p:txBody>
+          <a:bodyPr vert="horz" lIns="91440" tIns="45720" rIns="91440" bIns="45720" rtlCol="0">
+            <a:normAutofit lnSpcReduction="10000"/>
+          </a:bodyPr>
+          <a:lstStyle>
+            <a:lvl1pPr marL="228600" indent="-228600" algn="l" defTabSz="914400" rtl="0" eaLnBrk="1" latinLnBrk="0" hangingPunct="1">
+              <a:lnSpc>
+                <a:spcPct val="90000"/>
+              </a:lnSpc>
+              <a:spcBef>
+                <a:spcPts val="1000"/>
+              </a:spcBef>
+              <a:buFont typeface="Arial" panose="020B0604020202020204" pitchFamily="34" charset="0"/>
+              <a:buChar char="•"/>
+              <a:defRPr sz="2800" kern="1200">
+                <a:solidFill>
+                  <a:schemeClr val="tx1"/>
+                </a:solidFill>
+                <a:latin typeface="+mn-lt"/>
+                <a:ea typeface="+mn-ea"/>
+                <a:cs typeface="+mn-cs"/>
+              </a:defRPr>
+            </a:lvl1pPr>
+            <a:lvl2pPr marL="685800" indent="-228600" algn="l" defTabSz="914400" rtl="0" eaLnBrk="1" latinLnBrk="0" hangingPunct="1">
+              <a:lnSpc>
+                <a:spcPct val="90000"/>
+              </a:lnSpc>
+              <a:spcBef>
+                <a:spcPts val="500"/>
+              </a:spcBef>
+              <a:buFont typeface="Arial" panose="020B0604020202020204" pitchFamily="34" charset="0"/>
+              <a:buChar char="•"/>
+              <a:defRPr sz="2400" kern="1200">
+                <a:solidFill>
+                  <a:schemeClr val="tx1"/>
+                </a:solidFill>
+                <a:latin typeface="+mn-lt"/>
+                <a:ea typeface="+mn-ea"/>
+                <a:cs typeface="+mn-cs"/>
+              </a:defRPr>
+            </a:lvl2pPr>
+            <a:lvl3pPr marL="1143000" indent="-228600" algn="l" defTabSz="914400" rtl="0" eaLnBrk="1" latinLnBrk="0" hangingPunct="1">
+              <a:lnSpc>
+                <a:spcPct val="90000"/>
+              </a:lnSpc>
+              <a:spcBef>
+                <a:spcPts val="500"/>
+              </a:spcBef>
+              <a:buFont typeface="Arial" panose="020B0604020202020204" pitchFamily="34" charset="0"/>
+              <a:buChar char="•"/>
+              <a:defRPr sz="2000" kern="1200">
+                <a:solidFill>
+                  <a:schemeClr val="tx1"/>
+                </a:solidFill>
+                <a:latin typeface="+mn-lt"/>
+                <a:ea typeface="+mn-ea"/>
+                <a:cs typeface="+mn-cs"/>
+              </a:defRPr>
+            </a:lvl3pPr>
+            <a:lvl4pPr marL="1600200" indent="-228600" algn="l" defTabSz="914400" rtl="0" eaLnBrk="1" latinLnBrk="0" hangingPunct="1">
+              <a:lnSpc>
+                <a:spcPct val="90000"/>
+              </a:lnSpc>
+              <a:spcBef>
+                <a:spcPts val="500"/>
+              </a:spcBef>
+              <a:buFont typeface="Arial" panose="020B0604020202020204" pitchFamily="34" charset="0"/>
+              <a:buChar char="•"/>
+              <a:defRPr sz="1800" kern="1200">
+                <a:solidFill>
+                  <a:schemeClr val="tx1"/>
+                </a:solidFill>
+                <a:latin typeface="+mn-lt"/>
+                <a:ea typeface="+mn-ea"/>
+                <a:cs typeface="+mn-cs"/>
+              </a:defRPr>
+            </a:lvl4pPr>
+            <a:lvl5pPr marL="2057400" indent="-228600" algn="l" defTabSz="914400" rtl="0" eaLnBrk="1" latinLnBrk="0" hangingPunct="1">
+              <a:lnSpc>
+                <a:spcPct val="90000"/>
+              </a:lnSpc>
+              <a:spcBef>
+                <a:spcPts val="500"/>
+              </a:spcBef>
+              <a:buFont typeface="Arial" panose="020B0604020202020204" pitchFamily="34" charset="0"/>
+              <a:buChar char="•"/>
+              <a:defRPr sz="1800" kern="1200">
+                <a:solidFill>
+                  <a:schemeClr val="tx1"/>
+                </a:solidFill>
+                <a:latin typeface="+mn-lt"/>
+                <a:ea typeface="+mn-ea"/>
+                <a:cs typeface="+mn-cs"/>
+              </a:defRPr>
+            </a:lvl5pPr>
+            <a:lvl6pPr marL="2514600" indent="-228600" algn="l" defTabSz="914400" rtl="0" eaLnBrk="1" latinLnBrk="0" hangingPunct="1">
+              <a:lnSpc>
+                <a:spcPct val="90000"/>
+              </a:lnSpc>
+              <a:spcBef>
+                <a:spcPts val="500"/>
+              </a:spcBef>
+              <a:buFont typeface="Arial" panose="020B0604020202020204" pitchFamily="34" charset="0"/>
+              <a:buChar char="•"/>
+              <a:defRPr sz="1800" kern="1200">
+                <a:solidFill>
+                  <a:schemeClr val="tx1"/>
+                </a:solidFill>
+                <a:latin typeface="+mn-lt"/>
+                <a:ea typeface="+mn-ea"/>
+                <a:cs typeface="+mn-cs"/>
+              </a:defRPr>
+            </a:lvl6pPr>
+            <a:lvl7pPr marL="2971800" indent="-228600" algn="l" defTabSz="914400" rtl="0" eaLnBrk="1" latinLnBrk="0" hangingPunct="1">
+              <a:lnSpc>
+                <a:spcPct val="90000"/>
+              </a:lnSpc>
+              <a:spcBef>
+                <a:spcPts val="500"/>
+              </a:spcBef>
+              <a:buFont typeface="Arial" panose="020B0604020202020204" pitchFamily="34" charset="0"/>
+              <a:buChar char="•"/>
+              <a:defRPr sz="1800" kern="1200">
+                <a:solidFill>
+                  <a:schemeClr val="tx1"/>
+                </a:solidFill>
+                <a:latin typeface="+mn-lt"/>
+                <a:ea typeface="+mn-ea"/>
+                <a:cs typeface="+mn-cs"/>
+              </a:defRPr>
+            </a:lvl7pPr>
+            <a:lvl8pPr marL="3429000" indent="-228600" algn="l" defTabSz="914400" rtl="0" eaLnBrk="1" latinLnBrk="0" hangingPunct="1">
+              <a:lnSpc>
+                <a:spcPct val="90000"/>
+              </a:lnSpc>
+              <a:spcBef>
+                <a:spcPts val="500"/>
+              </a:spcBef>
+              <a:buFont typeface="Arial" panose="020B0604020202020204" pitchFamily="34" charset="0"/>
+              <a:buChar char="•"/>
+              <a:defRPr sz="1800" kern="1200">
+                <a:solidFill>
+                  <a:schemeClr val="tx1"/>
+                </a:solidFill>
+                <a:latin typeface="+mn-lt"/>
+                <a:ea typeface="+mn-ea"/>
+                <a:cs typeface="+mn-cs"/>
+              </a:defRPr>
+            </a:lvl8pPr>
+            <a:lvl9pPr marL="3886200" indent="-228600" algn="l" defTabSz="914400" rtl="0" eaLnBrk="1" latinLnBrk="0" hangingPunct="1">
+              <a:lnSpc>
+                <a:spcPct val="90000"/>
+              </a:lnSpc>
+              <a:spcBef>
+                <a:spcPts val="500"/>
+              </a:spcBef>
+              <a:buFont typeface="Arial" panose="020B0604020202020204" pitchFamily="34" charset="0"/>
+              <a:buChar char="•"/>
+              <a:defRPr sz="1800" kern="1200">
+                <a:solidFill>
+                  <a:schemeClr val="tx1"/>
+                </a:solidFill>
+                <a:latin typeface="+mn-lt"/>
+                <a:ea typeface="+mn-ea"/>
+                <a:cs typeface="+mn-cs"/>
+              </a:defRPr>
+            </a:lvl9pPr>
+          </a:lstStyle>
+          <a:p>
+            <a:pPr marL="0" indent="0">
+              <a:buFont typeface="Arial" panose="020B0604020202020204" pitchFamily="34" charset="0"/>
+              <a:buNone/>
+            </a:pPr>
+            <a:r>
+              <a:rPr lang="es-ES" sz="1800" dirty="0">
+                <a:effectLst/>
+                <a:latin typeface="Calibri" panose="020F0502020204030204" pitchFamily="34" charset="0"/>
+                <a:ea typeface="Calibri" panose="020F0502020204030204" pitchFamily="34" charset="0"/>
+                <a:cs typeface="Times New Roman" panose="02020603050405020304" pitchFamily="18" charset="0"/>
+              </a:rPr>
+              <a:t>¿Qué pasa generalmente con el desarrollo de productos grandes? </a:t>
+            </a:r>
+          </a:p>
+          <a:p>
+            <a:pPr>
+              <a:lnSpc>
+                <a:spcPct val="107000"/>
+              </a:lnSpc>
+              <a:spcAft>
+                <a:spcPts val="800"/>
+              </a:spcAft>
+            </a:pPr>
+            <a:r>
+              <a:rPr lang="es-ES" sz="1800" dirty="0">
+                <a:effectLst/>
+                <a:latin typeface="Calibri" panose="020F0502020204030204" pitchFamily="34" charset="0"/>
+                <a:ea typeface="Calibri" panose="020F0502020204030204" pitchFamily="34" charset="0"/>
+                <a:cs typeface="Times New Roman" panose="02020603050405020304" pitchFamily="18" charset="0"/>
+              </a:rPr>
+              <a:t>Es posible tomar esto que funciona tan naturalmente en el desarrollo a pequeña escala y aplicarlo.  Es lo que inspiró a construir LESS.</a:t>
+            </a:r>
+          </a:p>
+          <a:p>
+            <a:pPr>
+              <a:lnSpc>
+                <a:spcPct val="107000"/>
+              </a:lnSpc>
+              <a:spcAft>
+                <a:spcPts val="800"/>
+              </a:spcAft>
+            </a:pPr>
+            <a:r>
+              <a:rPr lang="es-ES" sz="1800" dirty="0">
+                <a:effectLst/>
+                <a:latin typeface="Calibri" panose="020F0502020204030204" pitchFamily="34" charset="0"/>
+                <a:ea typeface="Calibri" panose="020F0502020204030204" pitchFamily="34" charset="0"/>
+                <a:cs typeface="Times New Roman" panose="02020603050405020304" pitchFamily="18" charset="0"/>
+              </a:rPr>
+              <a:t>LeSS es Scrum aplicado a muchos equipos que trabajan juntos en un solo producto.</a:t>
+            </a:r>
+          </a:p>
+          <a:p>
+            <a:pPr>
+              <a:lnSpc>
+                <a:spcPct val="107000"/>
+              </a:lnSpc>
+              <a:spcAft>
+                <a:spcPts val="800"/>
+              </a:spcAft>
+            </a:pPr>
+            <a:r>
+              <a:rPr lang="es-ES" sz="1800" dirty="0">
+                <a:solidFill>
+                  <a:srgbClr val="333333"/>
+                </a:solidFill>
+                <a:effectLst/>
+                <a:latin typeface="Calibri" panose="020F0502020204030204" pitchFamily="34" charset="0"/>
+                <a:ea typeface="Calibri" panose="020F0502020204030204" pitchFamily="34" charset="0"/>
+                <a:cs typeface="Times New Roman" panose="02020603050405020304" pitchFamily="18" charset="0"/>
+              </a:rPr>
+              <a:t>LeSS es Scrum: Scrum a gran escala</a:t>
+            </a:r>
+            <a:endParaRPr lang="es-ES" sz="1800" dirty="0">
+              <a:effectLst/>
+              <a:latin typeface="Calibri" panose="020F0502020204030204" pitchFamily="34" charset="0"/>
+              <a:ea typeface="Calibri" panose="020F0502020204030204" pitchFamily="34" charset="0"/>
+              <a:cs typeface="Times New Roman" panose="02020603050405020304" pitchFamily="18" charset="0"/>
+            </a:endParaRPr>
+          </a:p>
+          <a:p>
+            <a:pPr>
+              <a:lnSpc>
+                <a:spcPct val="107000"/>
+              </a:lnSpc>
+              <a:spcAft>
+                <a:spcPts val="800"/>
+              </a:spcAft>
+            </a:pPr>
+            <a:r>
+              <a:rPr lang="es-ES" sz="1800" dirty="0">
+                <a:effectLst/>
+                <a:latin typeface="Calibri" panose="020F0502020204030204" pitchFamily="34" charset="0"/>
+                <a:ea typeface="Calibri" panose="020F0502020204030204" pitchFamily="34" charset="0"/>
+                <a:cs typeface="Times New Roman" panose="02020603050405020304" pitchFamily="18" charset="0"/>
+              </a:rPr>
+              <a:t>LeSS es Scrum: Scrum a gran escala (LeSS) no es un Scrum nuevo y mejorado. Y no es Scrum en la parte inferior para cada equipo, y algo diferente en capas en la parte superior.</a:t>
+            </a:r>
+          </a:p>
+          <a:p>
+            <a:pPr marL="0" indent="0">
+              <a:buFont typeface="Arial" panose="020B0604020202020204" pitchFamily="34" charset="0"/>
+              <a:buNone/>
+            </a:pPr>
             <a:endParaRPr lang="es-ES" dirty="0"/>
           </a:p>
         </p:txBody>
@@ -3664,6 +6394,605 @@
     <p:extLst>
       <p:ext uri="{BB962C8B-B14F-4D97-AF65-F5344CB8AC3E}">
         <p14:creationId xmlns:p14="http://schemas.microsoft.com/office/powerpoint/2010/main" val="2407963380"/>
+      </p:ext>
+    </p:extLst>
+  </p:cSld>
+  <p:clrMapOvr>
+    <a:masterClrMapping/>
+  </p:clrMapOvr>
+</p:sld>
+</file>
+
+<file path=ppt/slides/slide4.xml><?xml version="1.0" encoding="utf-8"?>
+<p:sld xmlns:a="http://schemas.openxmlformats.org/drawingml/2006/main" xmlns:r="http://schemas.openxmlformats.org/officeDocument/2006/relationships" xmlns:p="http://schemas.openxmlformats.org/presentationml/2006/main">
+  <p:cSld>
+    <p:spTree>
+      <p:nvGrpSpPr>
+        <p:cNvPr id="1" name=""/>
+        <p:cNvGrpSpPr/>
+        <p:nvPr/>
+      </p:nvGrpSpPr>
+      <p:grpSpPr>
+        <a:xfrm>
+          <a:off x="0" y="0"/>
+          <a:ext cx="0" cy="0"/>
+          <a:chOff x="0" y="0"/>
+          <a:chExt cx="0" cy="0"/>
+        </a:xfrm>
+      </p:grpSpPr>
+      <p:sp>
+        <p:nvSpPr>
+          <p:cNvPr id="2" name="Título 1">
+            <a:extLst>
+              <a:ext uri="{FF2B5EF4-FFF2-40B4-BE49-F238E27FC236}">
+                <a16:creationId xmlns:a16="http://schemas.microsoft.com/office/drawing/2014/main" id="{4D998C7E-D6A7-44E1-892F-924ABA0DF80E}"/>
+              </a:ext>
+            </a:extLst>
+          </p:cNvPr>
+          <p:cNvSpPr>
+            <a:spLocks noGrp="1"/>
+          </p:cNvSpPr>
+          <p:nvPr>
+            <p:ph type="title"/>
+          </p:nvPr>
+        </p:nvSpPr>
+        <p:spPr/>
+        <p:txBody>
+          <a:bodyPr/>
+          <a:lstStyle/>
+          <a:p>
+            <a:r>
+              <a:rPr lang="es-ES" dirty="0"/>
+              <a:t>Algunos Principios</a:t>
+            </a:r>
+          </a:p>
+        </p:txBody>
+      </p:sp>
+      <p:pic>
+        <p:nvPicPr>
+          <p:cNvPr id="4" name="Imagen 3" descr="Principios de LeSS">
+            <a:extLst>
+              <a:ext uri="{FF2B5EF4-FFF2-40B4-BE49-F238E27FC236}">
+                <a16:creationId xmlns:a16="http://schemas.microsoft.com/office/drawing/2014/main" id="{AE564DA0-AA9C-DBEE-7CBD-E1BC0248A370}"/>
+              </a:ext>
+            </a:extLst>
+          </p:cNvPr>
+          <p:cNvPicPr>
+            <a:picLocks noChangeAspect="1"/>
+          </p:cNvPicPr>
+          <p:nvPr/>
+        </p:nvPicPr>
+        <p:blipFill>
+          <a:blip r:embed="rId3" cstate="print">
+            <a:extLst>
+              <a:ext uri="{28A0092B-C50C-407E-A947-70E740481C1C}">
+                <a14:useLocalDpi xmlns:a14="http://schemas.microsoft.com/office/drawing/2010/main" val="0"/>
+              </a:ext>
+            </a:extLst>
+          </a:blip>
+          <a:srcRect/>
+          <a:stretch>
+            <a:fillRect/>
+          </a:stretch>
+        </p:blipFill>
+        <p:spPr bwMode="auto">
+          <a:xfrm>
+            <a:off x="3395980" y="1971617"/>
+            <a:ext cx="5400040" cy="3690620"/>
+          </a:xfrm>
+          <a:prstGeom prst="rect">
+            <a:avLst/>
+          </a:prstGeom>
+          <a:noFill/>
+          <a:ln>
+            <a:noFill/>
+          </a:ln>
+        </p:spPr>
+      </p:pic>
+    </p:spTree>
+    <p:extLst>
+      <p:ext uri="{BB962C8B-B14F-4D97-AF65-F5344CB8AC3E}">
+        <p14:creationId xmlns:p14="http://schemas.microsoft.com/office/powerpoint/2010/main" val="1155502793"/>
+      </p:ext>
+    </p:extLst>
+  </p:cSld>
+  <p:clrMapOvr>
+    <a:masterClrMapping/>
+  </p:clrMapOvr>
+</p:sld>
+</file>
+
+<file path=ppt/slides/slide5.xml><?xml version="1.0" encoding="utf-8"?>
+<p:sld xmlns:a="http://schemas.openxmlformats.org/drawingml/2006/main" xmlns:r="http://schemas.openxmlformats.org/officeDocument/2006/relationships" xmlns:p="http://schemas.openxmlformats.org/presentationml/2006/main">
+  <p:cSld>
+    <p:spTree>
+      <p:nvGrpSpPr>
+        <p:cNvPr id="1" name=""/>
+        <p:cNvGrpSpPr/>
+        <p:nvPr/>
+      </p:nvGrpSpPr>
+      <p:grpSpPr>
+        <a:xfrm>
+          <a:off x="0" y="0"/>
+          <a:ext cx="0" cy="0"/>
+          <a:chOff x="0" y="0"/>
+          <a:chExt cx="0" cy="0"/>
+        </a:xfrm>
+      </p:grpSpPr>
+      <p:sp>
+        <p:nvSpPr>
+          <p:cNvPr id="2" name="Título 1">
+            <a:extLst>
+              <a:ext uri="{FF2B5EF4-FFF2-40B4-BE49-F238E27FC236}">
+                <a16:creationId xmlns:a16="http://schemas.microsoft.com/office/drawing/2014/main" id="{5C5945DD-EBD3-0E66-9C98-77D15C96BBCF}"/>
+              </a:ext>
+            </a:extLst>
+          </p:cNvPr>
+          <p:cNvSpPr>
+            <a:spLocks noGrp="1"/>
+          </p:cNvSpPr>
+          <p:nvPr>
+            <p:ph type="title"/>
+          </p:nvPr>
+        </p:nvSpPr>
+        <p:spPr/>
+        <p:txBody>
+          <a:bodyPr/>
+          <a:lstStyle/>
+          <a:p>
+            <a:r>
+              <a:rPr lang="es-ES" dirty="0"/>
+              <a:t>¿Cómo funciona LeSS?</a:t>
+            </a:r>
+          </a:p>
+        </p:txBody>
+      </p:sp>
+      <p:pic>
+        <p:nvPicPr>
+          <p:cNvPr id="4" name="Marcador de contenido 3" descr="Marco LeSS">
+            <a:extLst>
+              <a:ext uri="{FF2B5EF4-FFF2-40B4-BE49-F238E27FC236}">
+                <a16:creationId xmlns:a16="http://schemas.microsoft.com/office/drawing/2014/main" id="{99F1A496-6DAD-3011-99A6-9F3CD4BC9453}"/>
+              </a:ext>
+            </a:extLst>
+          </p:cNvPr>
+          <p:cNvPicPr>
+            <a:picLocks noGrp="1" noChangeAspect="1"/>
+          </p:cNvPicPr>
+          <p:nvPr>
+            <p:ph idx="1"/>
+          </p:nvPr>
+        </p:nvPicPr>
+        <p:blipFill>
+          <a:blip r:embed="rId3" cstate="print">
+            <a:extLst>
+              <a:ext uri="{28A0092B-C50C-407E-A947-70E740481C1C}">
+                <a14:useLocalDpi xmlns:a14="http://schemas.microsoft.com/office/drawing/2010/main" val="0"/>
+              </a:ext>
+            </a:extLst>
+          </a:blip>
+          <a:srcRect/>
+          <a:stretch>
+            <a:fillRect/>
+          </a:stretch>
+        </p:blipFill>
+        <p:spPr bwMode="auto">
+          <a:xfrm>
+            <a:off x="1997213" y="1825625"/>
+            <a:ext cx="8197574" cy="4351338"/>
+          </a:xfrm>
+          <a:prstGeom prst="rect">
+            <a:avLst/>
+          </a:prstGeom>
+          <a:noFill/>
+          <a:ln>
+            <a:noFill/>
+          </a:ln>
+        </p:spPr>
+      </p:pic>
+    </p:spTree>
+    <p:extLst>
+      <p:ext uri="{BB962C8B-B14F-4D97-AF65-F5344CB8AC3E}">
+        <p14:creationId xmlns:p14="http://schemas.microsoft.com/office/powerpoint/2010/main" val="3589869781"/>
+      </p:ext>
+    </p:extLst>
+  </p:cSld>
+  <p:clrMapOvr>
+    <a:masterClrMapping/>
+  </p:clrMapOvr>
+</p:sld>
+</file>
+
+<file path=ppt/slides/slide6.xml><?xml version="1.0" encoding="utf-8"?>
+<p:sld xmlns:a="http://schemas.openxmlformats.org/drawingml/2006/main" xmlns:r="http://schemas.openxmlformats.org/officeDocument/2006/relationships" xmlns:p="http://schemas.openxmlformats.org/presentationml/2006/main">
+  <p:cSld>
+    <p:spTree>
+      <p:nvGrpSpPr>
+        <p:cNvPr id="1" name=""/>
+        <p:cNvGrpSpPr/>
+        <p:nvPr/>
+      </p:nvGrpSpPr>
+      <p:grpSpPr>
+        <a:xfrm>
+          <a:off x="0" y="0"/>
+          <a:ext cx="0" cy="0"/>
+          <a:chOff x="0" y="0"/>
+          <a:chExt cx="0" cy="0"/>
+        </a:xfrm>
+      </p:grpSpPr>
+      <p:sp>
+        <p:nvSpPr>
+          <p:cNvPr id="2" name="Título 1">
+            <a:extLst>
+              <a:ext uri="{FF2B5EF4-FFF2-40B4-BE49-F238E27FC236}">
+                <a16:creationId xmlns:a16="http://schemas.microsoft.com/office/drawing/2014/main" id="{95BDC317-939A-CAA8-3FAD-AB57B26E9AAA}"/>
+              </a:ext>
+            </a:extLst>
+          </p:cNvPr>
+          <p:cNvSpPr>
+            <a:spLocks noGrp="1"/>
+          </p:cNvSpPr>
+          <p:nvPr>
+            <p:ph type="title"/>
+          </p:nvPr>
+        </p:nvSpPr>
+        <p:spPr/>
+        <p:txBody>
+          <a:bodyPr/>
+          <a:lstStyle/>
+          <a:p>
+            <a:r>
+              <a:rPr lang="es-ES" dirty="0"/>
+              <a:t>Planificación del Sprint</a:t>
+            </a:r>
+          </a:p>
+        </p:txBody>
+      </p:sp>
+      <p:pic>
+        <p:nvPicPr>
+          <p:cNvPr id="4" name="Marcador de contenido 3" descr="Planificación de Sprint">
+            <a:extLst>
+              <a:ext uri="{FF2B5EF4-FFF2-40B4-BE49-F238E27FC236}">
+                <a16:creationId xmlns:a16="http://schemas.microsoft.com/office/drawing/2014/main" id="{820222E9-FDDF-9C14-193C-FECE35D83458}"/>
+              </a:ext>
+            </a:extLst>
+          </p:cNvPr>
+          <p:cNvPicPr>
+            <a:picLocks noGrp="1" noChangeAspect="1"/>
+          </p:cNvPicPr>
+          <p:nvPr>
+            <p:ph idx="1"/>
+          </p:nvPr>
+        </p:nvPicPr>
+        <p:blipFill>
+          <a:blip r:embed="rId3" cstate="print">
+            <a:extLst>
+              <a:ext uri="{28A0092B-C50C-407E-A947-70E740481C1C}">
+                <a14:useLocalDpi xmlns:a14="http://schemas.microsoft.com/office/drawing/2010/main" val="0"/>
+              </a:ext>
+            </a:extLst>
+          </a:blip>
+          <a:srcRect/>
+          <a:stretch>
+            <a:fillRect/>
+          </a:stretch>
+        </p:blipFill>
+        <p:spPr bwMode="auto">
+          <a:xfrm>
+            <a:off x="3396311" y="2091353"/>
+            <a:ext cx="5399377" cy="3819882"/>
+          </a:xfrm>
+          <a:prstGeom prst="rect">
+            <a:avLst/>
+          </a:prstGeom>
+          <a:noFill/>
+          <a:ln>
+            <a:noFill/>
+          </a:ln>
+        </p:spPr>
+      </p:pic>
+    </p:spTree>
+    <p:extLst>
+      <p:ext uri="{BB962C8B-B14F-4D97-AF65-F5344CB8AC3E}">
+        <p14:creationId xmlns:p14="http://schemas.microsoft.com/office/powerpoint/2010/main" val="2864496401"/>
+      </p:ext>
+    </p:extLst>
+  </p:cSld>
+  <p:clrMapOvr>
+    <a:masterClrMapping/>
+  </p:clrMapOvr>
+</p:sld>
+</file>
+
+<file path=ppt/slides/slide7.xml><?xml version="1.0" encoding="utf-8"?>
+<p:sld xmlns:a="http://schemas.openxmlformats.org/drawingml/2006/main" xmlns:r="http://schemas.openxmlformats.org/officeDocument/2006/relationships" xmlns:p="http://schemas.openxmlformats.org/presentationml/2006/main">
+  <p:cSld>
+    <p:spTree>
+      <p:nvGrpSpPr>
+        <p:cNvPr id="1" name=""/>
+        <p:cNvGrpSpPr/>
+        <p:nvPr/>
+      </p:nvGrpSpPr>
+      <p:grpSpPr>
+        <a:xfrm>
+          <a:off x="0" y="0"/>
+          <a:ext cx="0" cy="0"/>
+          <a:chOff x="0" y="0"/>
+          <a:chExt cx="0" cy="0"/>
+        </a:xfrm>
+      </p:grpSpPr>
+      <p:sp>
+        <p:nvSpPr>
+          <p:cNvPr id="2" name="Título 1">
+            <a:extLst>
+              <a:ext uri="{FF2B5EF4-FFF2-40B4-BE49-F238E27FC236}">
+                <a16:creationId xmlns:a16="http://schemas.microsoft.com/office/drawing/2014/main" id="{3A8C157F-0188-A457-52EA-D491D6843EF1}"/>
+              </a:ext>
+            </a:extLst>
+          </p:cNvPr>
+          <p:cNvSpPr>
+            <a:spLocks noGrp="1"/>
+          </p:cNvSpPr>
+          <p:nvPr>
+            <p:ph type="title"/>
+          </p:nvPr>
+        </p:nvSpPr>
+        <p:spPr/>
+        <p:txBody>
+          <a:bodyPr/>
+          <a:lstStyle/>
+          <a:p>
+            <a:endParaRPr lang="es-ES" dirty="0"/>
+          </a:p>
+        </p:txBody>
+      </p:sp>
+      <p:pic>
+        <p:nvPicPr>
+          <p:cNvPr id="4" name="Marcador de contenido 3" descr="Sprint Review Bazaar - Boceto de la historia">
+            <a:extLst>
+              <a:ext uri="{FF2B5EF4-FFF2-40B4-BE49-F238E27FC236}">
+                <a16:creationId xmlns:a16="http://schemas.microsoft.com/office/drawing/2014/main" id="{B229AA94-478D-4E02-DE25-F592370C927C}"/>
+              </a:ext>
+            </a:extLst>
+          </p:cNvPr>
+          <p:cNvPicPr>
+            <a:picLocks noGrp="1" noChangeAspect="1"/>
+          </p:cNvPicPr>
+          <p:nvPr>
+            <p:ph idx="1"/>
+          </p:nvPr>
+        </p:nvPicPr>
+        <p:blipFill>
+          <a:blip r:embed="rId3" cstate="print">
+            <a:extLst>
+              <a:ext uri="{28A0092B-C50C-407E-A947-70E740481C1C}">
+                <a14:useLocalDpi xmlns:a14="http://schemas.microsoft.com/office/drawing/2010/main" val="0"/>
+              </a:ext>
+            </a:extLst>
+          </a:blip>
+          <a:srcRect/>
+          <a:stretch>
+            <a:fillRect/>
+          </a:stretch>
+        </p:blipFill>
+        <p:spPr bwMode="auto">
+          <a:xfrm>
+            <a:off x="3396311" y="2091353"/>
+            <a:ext cx="5399377" cy="3819882"/>
+          </a:xfrm>
+          <a:prstGeom prst="rect">
+            <a:avLst/>
+          </a:prstGeom>
+          <a:noFill/>
+          <a:ln>
+            <a:noFill/>
+          </a:ln>
+        </p:spPr>
+      </p:pic>
+    </p:spTree>
+    <p:extLst>
+      <p:ext uri="{BB962C8B-B14F-4D97-AF65-F5344CB8AC3E}">
+        <p14:creationId xmlns:p14="http://schemas.microsoft.com/office/powerpoint/2010/main" val="742996828"/>
+      </p:ext>
+    </p:extLst>
+  </p:cSld>
+  <p:clrMapOvr>
+    <a:masterClrMapping/>
+  </p:clrMapOvr>
+</p:sld>
+</file>
+
+<file path=ppt/slides/slide8.xml><?xml version="1.0" encoding="utf-8"?>
+<p:sld xmlns:a="http://schemas.openxmlformats.org/drawingml/2006/main" xmlns:r="http://schemas.openxmlformats.org/officeDocument/2006/relationships" xmlns:p="http://schemas.openxmlformats.org/presentationml/2006/main">
+  <p:cSld>
+    <p:spTree>
+      <p:nvGrpSpPr>
+        <p:cNvPr id="1" name=""/>
+        <p:cNvGrpSpPr/>
+        <p:nvPr/>
+      </p:nvGrpSpPr>
+      <p:grpSpPr>
+        <a:xfrm>
+          <a:off x="0" y="0"/>
+          <a:ext cx="0" cy="0"/>
+          <a:chOff x="0" y="0"/>
+          <a:chExt cx="0" cy="0"/>
+        </a:xfrm>
+      </p:grpSpPr>
+      <p:sp>
+        <p:nvSpPr>
+          <p:cNvPr id="2" name="Título 1">
+            <a:extLst>
+              <a:ext uri="{FF2B5EF4-FFF2-40B4-BE49-F238E27FC236}">
+                <a16:creationId xmlns:a16="http://schemas.microsoft.com/office/drawing/2014/main" id="{F29A820E-9BB0-E4F2-1341-433D1740F140}"/>
+              </a:ext>
+            </a:extLst>
+          </p:cNvPr>
+          <p:cNvSpPr>
+            <a:spLocks noGrp="1"/>
+          </p:cNvSpPr>
+          <p:nvPr>
+            <p:ph type="title"/>
+          </p:nvPr>
+        </p:nvSpPr>
+        <p:spPr/>
+        <p:txBody>
+          <a:bodyPr/>
+          <a:lstStyle/>
+          <a:p>
+            <a:endParaRPr lang="es-ES"/>
+          </a:p>
+        </p:txBody>
+      </p:sp>
+      <p:pic>
+        <p:nvPicPr>
+          <p:cNvPr id="7" name="Marcador de contenido 6" descr="Interfaz de usuario gráfica, Aplicación&#10;&#10;Descripción generada automáticamente">
+            <a:extLst>
+              <a:ext uri="{FF2B5EF4-FFF2-40B4-BE49-F238E27FC236}">
+                <a16:creationId xmlns:a16="http://schemas.microsoft.com/office/drawing/2014/main" id="{C7D6C42A-4542-6F5C-53DA-47DC07987762}"/>
+              </a:ext>
+            </a:extLst>
+          </p:cNvPr>
+          <p:cNvPicPr>
+            <a:picLocks noGrp="1" noChangeAspect="1"/>
+          </p:cNvPicPr>
+          <p:nvPr>
+            <p:ph idx="1"/>
+          </p:nvPr>
+        </p:nvPicPr>
+        <p:blipFill>
+          <a:blip r:embed="rId3">
+            <a:extLst>
+              <a:ext uri="{28A0092B-C50C-407E-A947-70E740481C1C}">
+                <a14:useLocalDpi xmlns:a14="http://schemas.microsoft.com/office/drawing/2010/main" val="0"/>
+              </a:ext>
+            </a:extLst>
+          </a:blip>
+          <a:stretch>
+            <a:fillRect/>
+          </a:stretch>
+        </p:blipFill>
+        <p:spPr bwMode="auto">
+          <a:xfrm>
+            <a:off x="3504670" y="1825625"/>
+            <a:ext cx="5182660" cy="4351338"/>
+          </a:xfrm>
+          <a:prstGeom prst="rect">
+            <a:avLst/>
+          </a:prstGeom>
+          <a:noFill/>
+          <a:extLst>
+            <a:ext uri="{909E8E84-426E-40DD-AFC4-6F175D3DCCD1}">
+              <a14:hiddenFill xmlns:a14="http://schemas.microsoft.com/office/drawing/2010/main">
+                <a:solidFill>
+                  <a:srgbClr val="FFFFFF"/>
+                </a:solidFill>
+              </a14:hiddenFill>
+            </a:ext>
+          </a:extLst>
+        </p:spPr>
+      </p:pic>
+    </p:spTree>
+    <p:extLst>
+      <p:ext uri="{BB962C8B-B14F-4D97-AF65-F5344CB8AC3E}">
+        <p14:creationId xmlns:p14="http://schemas.microsoft.com/office/powerpoint/2010/main" val="2446007396"/>
+      </p:ext>
+    </p:extLst>
+  </p:cSld>
+  <p:clrMapOvr>
+    <a:masterClrMapping/>
+  </p:clrMapOvr>
+</p:sld>
+</file>
+
+<file path=ppt/slides/slide9.xml><?xml version="1.0" encoding="utf-8"?>
+<p:sld xmlns:a="http://schemas.openxmlformats.org/drawingml/2006/main" xmlns:r="http://schemas.openxmlformats.org/officeDocument/2006/relationships" xmlns:p="http://schemas.openxmlformats.org/presentationml/2006/main">
+  <p:cSld>
+    <p:spTree>
+      <p:nvGrpSpPr>
+        <p:cNvPr id="1" name=""/>
+        <p:cNvGrpSpPr/>
+        <p:nvPr/>
+      </p:nvGrpSpPr>
+      <p:grpSpPr>
+        <a:xfrm>
+          <a:off x="0" y="0"/>
+          <a:ext cx="0" cy="0"/>
+          <a:chOff x="0" y="0"/>
+          <a:chExt cx="0" cy="0"/>
+        </a:xfrm>
+      </p:grpSpPr>
+      <p:sp>
+        <p:nvSpPr>
+          <p:cNvPr id="2" name="Título 1">
+            <a:extLst>
+              <a:ext uri="{FF2B5EF4-FFF2-40B4-BE49-F238E27FC236}">
+                <a16:creationId xmlns:a16="http://schemas.microsoft.com/office/drawing/2014/main" id="{1119EE17-65E6-FED8-B516-278EE197D188}"/>
+              </a:ext>
+            </a:extLst>
+          </p:cNvPr>
+          <p:cNvSpPr>
+            <a:spLocks noGrp="1"/>
+          </p:cNvSpPr>
+          <p:nvPr>
+            <p:ph type="title"/>
+          </p:nvPr>
+        </p:nvSpPr>
+        <p:spPr/>
+        <p:txBody>
+          <a:bodyPr/>
+          <a:lstStyle/>
+          <a:p>
+            <a:r>
+              <a:rPr lang="es-ES" sz="1800" dirty="0">
+                <a:effectLst/>
+                <a:latin typeface="Calibri" panose="020F0502020204030204" pitchFamily="34" charset="0"/>
+                <a:ea typeface="Calibri" panose="020F0502020204030204" pitchFamily="34" charset="0"/>
+                <a:cs typeface="Times New Roman" panose="02020603050405020304" pitchFamily="18" charset="0"/>
+              </a:rPr>
+              <a:t>LESS en las organizaciones </a:t>
+            </a:r>
+            <a:br>
+              <a:rPr lang="es-ES" sz="1800" dirty="0">
+                <a:effectLst/>
+                <a:latin typeface="Calibri" panose="020F0502020204030204" pitchFamily="34" charset="0"/>
+                <a:ea typeface="Calibri" panose="020F0502020204030204" pitchFamily="34" charset="0"/>
+                <a:cs typeface="Times New Roman" panose="02020603050405020304" pitchFamily="18" charset="0"/>
+              </a:rPr>
+            </a:br>
+            <a:endParaRPr lang="es-ES" dirty="0"/>
+          </a:p>
+        </p:txBody>
+      </p:sp>
+      <p:sp>
+        <p:nvSpPr>
+          <p:cNvPr id="3" name="Marcador de contenido 2">
+            <a:extLst>
+              <a:ext uri="{FF2B5EF4-FFF2-40B4-BE49-F238E27FC236}">
+                <a16:creationId xmlns:a16="http://schemas.microsoft.com/office/drawing/2014/main" id="{9F2C118C-E115-91FC-464A-838E0C64E32C}"/>
+              </a:ext>
+            </a:extLst>
+          </p:cNvPr>
+          <p:cNvSpPr>
+            <a:spLocks noGrp="1"/>
+          </p:cNvSpPr>
+          <p:nvPr>
+            <p:ph idx="1"/>
+          </p:nvPr>
+        </p:nvSpPr>
+        <p:spPr/>
+        <p:txBody>
+          <a:bodyPr/>
+          <a:lstStyle/>
+          <a:p>
+            <a:endParaRPr lang="es-ES"/>
+          </a:p>
+        </p:txBody>
+      </p:sp>
+    </p:spTree>
+    <p:extLst>
+      <p:ext uri="{BB962C8B-B14F-4D97-AF65-F5344CB8AC3E}">
+        <p14:creationId xmlns:p14="http://schemas.microsoft.com/office/powerpoint/2010/main" val="2301083614"/>
       </p:ext>
     </p:extLst>
   </p:cSld>
@@ -3966,4 +7295,299 @@
     </a:ext>
   </a:extLst>
 </a:theme>
+</file>
+
+<file path=ppt/theme/theme2.xml><?xml version="1.0" encoding="utf-8"?>
+<a:theme xmlns:a="http://schemas.openxmlformats.org/drawingml/2006/main" name="Tema de Office">
+  <a:themeElements>
+    <a:clrScheme name="Office">
+      <a:dk1>
+        <a:sysClr val="windowText" lastClr="000000"/>
+      </a:dk1>
+      <a:lt1>
+        <a:sysClr val="window" lastClr="FFFFFF"/>
+      </a:lt1>
+      <a:dk2>
+        <a:srgbClr val="44546A"/>
+      </a:dk2>
+      <a:lt2>
+        <a:srgbClr val="E7E6E6"/>
+      </a:lt2>
+      <a:accent1>
+        <a:srgbClr val="4472C4"/>
+      </a:accent1>
+      <a:accent2>
+        <a:srgbClr val="ED7D31"/>
+      </a:accent2>
+      <a:accent3>
+        <a:srgbClr val="A5A5A5"/>
+      </a:accent3>
+      <a:accent4>
+        <a:srgbClr val="FFC000"/>
+      </a:accent4>
+      <a:accent5>
+        <a:srgbClr val="5B9BD5"/>
+      </a:accent5>
+      <a:accent6>
+        <a:srgbClr val="70AD47"/>
+      </a:accent6>
+      <a:hlink>
+        <a:srgbClr val="0563C1"/>
+      </a:hlink>
+      <a:folHlink>
+        <a:srgbClr val="954F72"/>
+      </a:folHlink>
+    </a:clrScheme>
+    <a:fontScheme name="Office">
+      <a:majorFont>
+        <a:latin typeface="Calibri Light" panose="020F0302020204030204"/>
+        <a:ea typeface=""/>
+        <a:cs typeface=""/>
+        <a:font script="Jpan" typeface="游ゴシック Light"/>
+        <a:font script="Hang" typeface="맑은 고딕"/>
+        <a:font script="Hans" typeface="等线 Light"/>
+        <a:font script="Hant" typeface="新細明體"/>
+        <a:font script="Arab" typeface="Times New Roman"/>
+        <a:font script="Hebr" typeface="Times New Roman"/>
+        <a:font script="Thai" typeface="Angsana New"/>
+        <a:font script="Ethi" typeface="Nyala"/>
+        <a:font script="Beng" typeface="Vrinda"/>
+        <a:font script="Gujr" typeface="Shruti"/>
+        <a:font script="Khmr" typeface="MoolBoran"/>
+        <a:font script="Knda" typeface="Tunga"/>
+        <a:font script="Guru" typeface="Raavi"/>
+        <a:font script="Cans" typeface="Euphemia"/>
+        <a:font script="Cher" typeface="Plantagenet Cherokee"/>
+        <a:font script="Yiii" typeface="Microsoft Yi Baiti"/>
+        <a:font script="Tibt" typeface="Microsoft Himalaya"/>
+        <a:font script="Thaa" typeface="MV Boli"/>
+        <a:font script="Deva" typeface="Mangal"/>
+        <a:font script="Telu" typeface="Gautami"/>
+        <a:font script="Taml" typeface="Latha"/>
+        <a:font script="Syrc" typeface="Estrangelo Edessa"/>
+        <a:font script="Orya" typeface="Kalinga"/>
+        <a:font script="Mlym" typeface="Kartika"/>
+        <a:font script="Laoo" typeface="DokChampa"/>
+        <a:font script="Sinh" typeface="Iskoola Pota"/>
+        <a:font script="Mong" typeface="Mongolian Baiti"/>
+        <a:font script="Viet" typeface="Times New Roman"/>
+        <a:font script="Uigh" typeface="Microsoft Uighur"/>
+        <a:font script="Geor" typeface="Sylfaen"/>
+        <a:font script="Armn" typeface="Arial"/>
+        <a:font script="Bugi" typeface="Leelawadee UI"/>
+        <a:font script="Bopo" typeface="Microsoft JhengHei"/>
+        <a:font script="Java" typeface="Javanese Text"/>
+        <a:font script="Lisu" typeface="Segoe UI"/>
+        <a:font script="Mymr" typeface="Myanmar Text"/>
+        <a:font script="Nkoo" typeface="Ebrima"/>
+        <a:font script="Olck" typeface="Nirmala UI"/>
+        <a:font script="Osma" typeface="Ebrima"/>
+        <a:font script="Phag" typeface="Phagspa"/>
+        <a:font script="Syrn" typeface="Estrangelo Edessa"/>
+        <a:font script="Syrj" typeface="Estrangelo Edessa"/>
+        <a:font script="Syre" typeface="Estrangelo Edessa"/>
+        <a:font script="Sora" typeface="Nirmala UI"/>
+        <a:font script="Tale" typeface="Microsoft Tai Le"/>
+        <a:font script="Talu" typeface="Microsoft New Tai Lue"/>
+        <a:font script="Tfng" typeface="Ebrima"/>
+      </a:majorFont>
+      <a:minorFont>
+        <a:latin typeface="Calibri" panose="020F0502020204030204"/>
+        <a:ea typeface=""/>
+        <a:cs typeface=""/>
+        <a:font script="Jpan" typeface="游ゴシック"/>
+        <a:font script="Hang" typeface="맑은 고딕"/>
+        <a:font script="Hans" typeface="等线"/>
+        <a:font script="Hant" typeface="新細明體"/>
+        <a:font script="Arab" typeface="Arial"/>
+        <a:font script="Hebr" typeface="Arial"/>
+        <a:font script="Thai" typeface="Cordia New"/>
+        <a:font script="Ethi" typeface="Nyala"/>
+        <a:font script="Beng" typeface="Vrinda"/>
+        <a:font script="Gujr" typeface="Shruti"/>
+        <a:font script="Khmr" typeface="DaunPenh"/>
+        <a:font script="Knda" typeface="Tunga"/>
+        <a:font script="Guru" typeface="Raavi"/>
+        <a:font script="Cans" typeface="Euphemia"/>
+        <a:font script="Cher" typeface="Plantagenet Cherokee"/>
+        <a:font script="Yiii" typeface="Microsoft Yi Baiti"/>
+        <a:font script="Tibt" typeface="Microsoft Himalaya"/>
+        <a:font script="Thaa" typeface="MV Boli"/>
+        <a:font script="Deva" typeface="Mangal"/>
+        <a:font script="Telu" typeface="Gautami"/>
+        <a:font script="Taml" typeface="Latha"/>
+        <a:font script="Syrc" typeface="Estrangelo Edessa"/>
+        <a:font script="Orya" typeface="Kalinga"/>
+        <a:font script="Mlym" typeface="Kartika"/>
+        <a:font script="Laoo" typeface="DokChampa"/>
+        <a:font script="Sinh" typeface="Iskoola Pota"/>
+        <a:font script="Mong" typeface="Mongolian Baiti"/>
+        <a:font script="Viet" typeface="Arial"/>
+        <a:font script="Uigh" typeface="Microsoft Uighur"/>
+        <a:font script="Geor" typeface="Sylfaen"/>
+        <a:font script="Armn" typeface="Arial"/>
+        <a:font script="Bugi" typeface="Leelawadee UI"/>
+        <a:font script="Bopo" typeface="Microsoft JhengHei"/>
+        <a:font script="Java" typeface="Javanese Text"/>
+        <a:font script="Lisu" typeface="Segoe UI"/>
+        <a:font script="Mymr" typeface="Myanmar Text"/>
+        <a:font script="Nkoo" typeface="Ebrima"/>
+        <a:font script="Olck" typeface="Nirmala UI"/>
+        <a:font script="Osma" typeface="Ebrima"/>
+        <a:font script="Phag" typeface="Phagspa"/>
+        <a:font script="Syrn" typeface="Estrangelo Edessa"/>
+        <a:font script="Syrj" typeface="Estrangelo Edessa"/>
+        <a:font script="Syre" typeface="Estrangelo Edessa"/>
+        <a:font script="Sora" typeface="Nirmala UI"/>
+        <a:font script="Tale" typeface="Microsoft Tai Le"/>
+        <a:font script="Talu" typeface="Microsoft New Tai Lue"/>
+        <a:font script="Tfng" typeface="Ebrima"/>
+      </a:minorFont>
+    </a:fontScheme>
+    <a:fmtScheme name="Office">
+      <a:fillStyleLst>
+        <a:solidFill>
+          <a:schemeClr val="phClr"/>
+        </a:solidFill>
+        <a:gradFill rotWithShape="1">
+          <a:gsLst>
+            <a:gs pos="0">
+              <a:schemeClr val="phClr">
+                <a:lumMod val="110000"/>
+                <a:satMod val="105000"/>
+                <a:tint val="67000"/>
+              </a:schemeClr>
+            </a:gs>
+            <a:gs pos="50000">
+              <a:schemeClr val="phClr">
+                <a:lumMod val="105000"/>
+                <a:satMod val="103000"/>
+                <a:tint val="73000"/>
+              </a:schemeClr>
+            </a:gs>
+            <a:gs pos="100000">
+              <a:schemeClr val="phClr">
+                <a:lumMod val="105000"/>
+                <a:satMod val="109000"/>
+                <a:tint val="81000"/>
+              </a:schemeClr>
+            </a:gs>
+          </a:gsLst>
+          <a:lin ang="5400000" scaled="0"/>
+        </a:gradFill>
+        <a:gradFill rotWithShape="1">
+          <a:gsLst>
+            <a:gs pos="0">
+              <a:schemeClr val="phClr">
+                <a:satMod val="103000"/>
+                <a:lumMod val="102000"/>
+                <a:tint val="94000"/>
+              </a:schemeClr>
+            </a:gs>
+            <a:gs pos="50000">
+              <a:schemeClr val="phClr">
+                <a:satMod val="110000"/>
+                <a:lumMod val="100000"/>
+                <a:shade val="100000"/>
+              </a:schemeClr>
+            </a:gs>
+            <a:gs pos="100000">
+              <a:schemeClr val="phClr">
+                <a:lumMod val="99000"/>
+                <a:satMod val="120000"/>
+                <a:shade val="78000"/>
+              </a:schemeClr>
+            </a:gs>
+          </a:gsLst>
+          <a:lin ang="5400000" scaled="0"/>
+        </a:gradFill>
+      </a:fillStyleLst>
+      <a:lnStyleLst>
+        <a:ln w="6350" cap="flat" cmpd="sng" algn="ctr">
+          <a:solidFill>
+            <a:schemeClr val="phClr"/>
+          </a:solidFill>
+          <a:prstDash val="solid"/>
+          <a:miter lim="800000"/>
+        </a:ln>
+        <a:ln w="12700" cap="flat" cmpd="sng" algn="ctr">
+          <a:solidFill>
+            <a:schemeClr val="phClr"/>
+          </a:solidFill>
+          <a:prstDash val="solid"/>
+          <a:miter lim="800000"/>
+        </a:ln>
+        <a:ln w="19050" cap="flat" cmpd="sng" algn="ctr">
+          <a:solidFill>
+            <a:schemeClr val="phClr"/>
+          </a:solidFill>
+          <a:prstDash val="solid"/>
+          <a:miter lim="800000"/>
+        </a:ln>
+      </a:lnStyleLst>
+      <a:effectStyleLst>
+        <a:effectStyle>
+          <a:effectLst/>
+        </a:effectStyle>
+        <a:effectStyle>
+          <a:effectLst/>
+        </a:effectStyle>
+        <a:effectStyle>
+          <a:effectLst>
+            <a:outerShdw blurRad="57150" dist="19050" dir="5400000" algn="ctr" rotWithShape="0">
+              <a:srgbClr val="000000">
+                <a:alpha val="63000"/>
+              </a:srgbClr>
+            </a:outerShdw>
+          </a:effectLst>
+        </a:effectStyle>
+      </a:effectStyleLst>
+      <a:bgFillStyleLst>
+        <a:solidFill>
+          <a:schemeClr val="phClr"/>
+        </a:solidFill>
+        <a:solidFill>
+          <a:schemeClr val="phClr">
+            <a:tint val="95000"/>
+            <a:satMod val="170000"/>
+          </a:schemeClr>
+        </a:solidFill>
+        <a:gradFill rotWithShape="1">
+          <a:gsLst>
+            <a:gs pos="0">
+              <a:schemeClr val="phClr">
+                <a:tint val="93000"/>
+                <a:satMod val="150000"/>
+                <a:shade val="98000"/>
+                <a:lumMod val="102000"/>
+              </a:schemeClr>
+            </a:gs>
+            <a:gs pos="50000">
+              <a:schemeClr val="phClr">
+                <a:tint val="98000"/>
+                <a:satMod val="130000"/>
+                <a:shade val="90000"/>
+                <a:lumMod val="103000"/>
+              </a:schemeClr>
+            </a:gs>
+            <a:gs pos="100000">
+              <a:schemeClr val="phClr">
+                <a:shade val="63000"/>
+                <a:satMod val="120000"/>
+              </a:schemeClr>
+            </a:gs>
+          </a:gsLst>
+          <a:lin ang="5400000" scaled="0"/>
+        </a:gradFill>
+      </a:bgFillStyleLst>
+    </a:fmtScheme>
+  </a:themeElements>
+  <a:objectDefaults/>
+  <a:extraClrSchemeLst/>
+  <a:extLst>
+    <a:ext uri="{05A4C25C-085E-4340-85A3-A5531E510DB2}">
+      <thm15:themeFamily xmlns:thm15="http://schemas.microsoft.com/office/thememl/2012/main" name="Office Theme" id="{62F939B6-93AF-4DB8-9C6B-D6C7DFDC589F}" vid="{4A3C46E8-61CC-4603-A589-7422A47A8E4A}"/>
+    </a:ext>
+  </a:extLst>
+</a:theme>
 </file>